--- a/docs/finalReportImages.pptx
+++ b/docs/finalReportImages.pptx
@@ -8,6 +8,10 @@
     <p:sldId id="256" r:id="rId2"/>
     <p:sldId id="257" r:id="rId3"/>
     <p:sldId id="258" r:id="rId4"/>
+    <p:sldId id="259" r:id="rId5"/>
+    <p:sldId id="260" r:id="rId6"/>
+    <p:sldId id="261" r:id="rId7"/>
+    <p:sldId id="262" r:id="rId8"/>
   </p:sldIdLst>
   <p:sldSz cx="12192000" cy="6858000"/>
   <p:notesSz cx="6858000" cy="9144000"/>
@@ -256,7 +260,7 @@
           <a:p>
             <a:fld id="{A915D0C9-7048-4AB7-B0A9-8E5E2A7E9C22}" type="datetimeFigureOut">
               <a:rPr lang="en-US" smtClean="0"/>
-              <a:t>8/26/2016</a:t>
+              <a:t>8/30/2016</a:t>
             </a:fld>
             <a:endParaRPr lang="en-US"/>
           </a:p>
@@ -426,7 +430,7 @@
           <a:p>
             <a:fld id="{A915D0C9-7048-4AB7-B0A9-8E5E2A7E9C22}" type="datetimeFigureOut">
               <a:rPr lang="en-US" smtClean="0"/>
-              <a:t>8/26/2016</a:t>
+              <a:t>8/30/2016</a:t>
             </a:fld>
             <a:endParaRPr lang="en-US"/>
           </a:p>
@@ -606,7 +610,7 @@
           <a:p>
             <a:fld id="{A915D0C9-7048-4AB7-B0A9-8E5E2A7E9C22}" type="datetimeFigureOut">
               <a:rPr lang="en-US" smtClean="0"/>
-              <a:t>8/26/2016</a:t>
+              <a:t>8/30/2016</a:t>
             </a:fld>
             <a:endParaRPr lang="en-US"/>
           </a:p>
@@ -776,7 +780,7 @@
           <a:p>
             <a:fld id="{A915D0C9-7048-4AB7-B0A9-8E5E2A7E9C22}" type="datetimeFigureOut">
               <a:rPr lang="en-US" smtClean="0"/>
-              <a:t>8/26/2016</a:t>
+              <a:t>8/30/2016</a:t>
             </a:fld>
             <a:endParaRPr lang="en-US"/>
           </a:p>
@@ -1022,7 +1026,7 @@
           <a:p>
             <a:fld id="{A915D0C9-7048-4AB7-B0A9-8E5E2A7E9C22}" type="datetimeFigureOut">
               <a:rPr lang="en-US" smtClean="0"/>
-              <a:t>8/26/2016</a:t>
+              <a:t>8/30/2016</a:t>
             </a:fld>
             <a:endParaRPr lang="en-US"/>
           </a:p>
@@ -1254,7 +1258,7 @@
           <a:p>
             <a:fld id="{A915D0C9-7048-4AB7-B0A9-8E5E2A7E9C22}" type="datetimeFigureOut">
               <a:rPr lang="en-US" smtClean="0"/>
-              <a:t>8/26/2016</a:t>
+              <a:t>8/30/2016</a:t>
             </a:fld>
             <a:endParaRPr lang="en-US"/>
           </a:p>
@@ -1621,7 +1625,7 @@
           <a:p>
             <a:fld id="{A915D0C9-7048-4AB7-B0A9-8E5E2A7E9C22}" type="datetimeFigureOut">
               <a:rPr lang="en-US" smtClean="0"/>
-              <a:t>8/26/2016</a:t>
+              <a:t>8/30/2016</a:t>
             </a:fld>
             <a:endParaRPr lang="en-US"/>
           </a:p>
@@ -1739,7 +1743,7 @@
           <a:p>
             <a:fld id="{A915D0C9-7048-4AB7-B0A9-8E5E2A7E9C22}" type="datetimeFigureOut">
               <a:rPr lang="en-US" smtClean="0"/>
-              <a:t>8/26/2016</a:t>
+              <a:t>8/30/2016</a:t>
             </a:fld>
             <a:endParaRPr lang="en-US"/>
           </a:p>
@@ -1834,7 +1838,7 @@
           <a:p>
             <a:fld id="{A915D0C9-7048-4AB7-B0A9-8E5E2A7E9C22}" type="datetimeFigureOut">
               <a:rPr lang="en-US" smtClean="0"/>
-              <a:t>8/26/2016</a:t>
+              <a:t>8/30/2016</a:t>
             </a:fld>
             <a:endParaRPr lang="en-US"/>
           </a:p>
@@ -2111,7 +2115,7 @@
           <a:p>
             <a:fld id="{A915D0C9-7048-4AB7-B0A9-8E5E2A7E9C22}" type="datetimeFigureOut">
               <a:rPr lang="en-US" smtClean="0"/>
-              <a:t>8/26/2016</a:t>
+              <a:t>8/30/2016</a:t>
             </a:fld>
             <a:endParaRPr lang="en-US"/>
           </a:p>
@@ -2364,7 +2368,7 @@
           <a:p>
             <a:fld id="{A915D0C9-7048-4AB7-B0A9-8E5E2A7E9C22}" type="datetimeFigureOut">
               <a:rPr lang="en-US" smtClean="0"/>
-              <a:t>8/26/2016</a:t>
+              <a:t>8/30/2016</a:t>
             </a:fld>
             <a:endParaRPr lang="en-US"/>
           </a:p>
@@ -2577,7 +2581,7 @@
           <a:p>
             <a:fld id="{A915D0C9-7048-4AB7-B0A9-8E5E2A7E9C22}" type="datetimeFigureOut">
               <a:rPr lang="en-US" smtClean="0"/>
-              <a:t>8/26/2016</a:t>
+              <a:t>8/30/2016</a:t>
             </a:fld>
             <a:endParaRPr lang="en-US"/>
           </a:p>
@@ -3238,10 +3242,3652 @@
           <a:chExt cx="0" cy="0"/>
         </a:xfrm>
       </p:grpSpPr>
+      <p:pic>
+        <p:nvPicPr>
+          <p:cNvPr id="2" name="Picture 1"/>
+          <p:cNvPicPr>
+            <a:picLocks noChangeAspect="1"/>
+          </p:cNvPicPr>
+          <p:nvPr/>
+        </p:nvPicPr>
+        <p:blipFill>
+          <a:blip r:embed="rId2">
+            <a:extLst>
+              <a:ext uri="{28A0092B-C50C-407E-A947-70E740481C1C}">
+                <a14:useLocalDpi xmlns:a14="http://schemas.microsoft.com/office/drawing/2010/main" val="0"/>
+              </a:ext>
+            </a:extLst>
+          </a:blip>
+          <a:stretch>
+            <a:fillRect/>
+          </a:stretch>
+        </p:blipFill>
+        <p:spPr>
+          <a:xfrm>
+            <a:off x="985924" y="967478"/>
+            <a:ext cx="10058400" cy="4462886"/>
+          </a:xfrm>
+          <a:prstGeom prst="rect">
+            <a:avLst/>
+          </a:prstGeom>
+        </p:spPr>
+      </p:pic>
+      <p:pic>
+        <p:nvPicPr>
+          <p:cNvPr id="3" name="Picture 2"/>
+          <p:cNvPicPr>
+            <a:picLocks noChangeAspect="1"/>
+          </p:cNvPicPr>
+          <p:nvPr/>
+        </p:nvPicPr>
+        <p:blipFill>
+          <a:blip r:embed="rId3" cstate="print">
+            <a:extLst>
+              <a:ext uri="{28A0092B-C50C-407E-A947-70E740481C1C}">
+                <a14:useLocalDpi xmlns:a14="http://schemas.microsoft.com/office/drawing/2010/main" val="0"/>
+              </a:ext>
+            </a:extLst>
+          </a:blip>
+          <a:stretch>
+            <a:fillRect/>
+          </a:stretch>
+        </p:blipFill>
+        <p:spPr>
+          <a:xfrm rot="10800000">
+            <a:off x="985924" y="1457958"/>
+            <a:ext cx="2134017" cy="1145781"/>
+          </a:xfrm>
+          <a:prstGeom prst="rect">
+            <a:avLst/>
+          </a:prstGeom>
+        </p:spPr>
+      </p:pic>
+      <p:cxnSp>
+        <p:nvCxnSpPr>
+          <p:cNvPr id="8" name="Straight Connector 7"/>
+          <p:cNvCxnSpPr/>
+          <p:nvPr/>
+        </p:nvCxnSpPr>
+        <p:spPr>
+          <a:xfrm>
+            <a:off x="1754095" y="2030849"/>
+            <a:ext cx="5806142" cy="1398151"/>
+          </a:xfrm>
+          <a:prstGeom prst="line">
+            <a:avLst/>
+          </a:prstGeom>
+          <a:ln w="25400">
+            <a:solidFill>
+              <a:schemeClr val="bg1">
+                <a:lumMod val="95000"/>
+              </a:schemeClr>
+            </a:solidFill>
+          </a:ln>
+        </p:spPr>
+        <p:style>
+          <a:lnRef idx="1">
+            <a:schemeClr val="accent4"/>
+          </a:lnRef>
+          <a:fillRef idx="0">
+            <a:schemeClr val="accent4"/>
+          </a:fillRef>
+          <a:effectRef idx="0">
+            <a:schemeClr val="accent4"/>
+          </a:effectRef>
+          <a:fontRef idx="minor">
+            <a:schemeClr val="tx1"/>
+          </a:fontRef>
+        </p:style>
+      </p:cxnSp>
+      <p:sp>
+        <p:nvSpPr>
+          <p:cNvPr id="6" name="Oval 5"/>
+          <p:cNvSpPr/>
+          <p:nvPr/>
+        </p:nvSpPr>
+        <p:spPr>
+          <a:xfrm>
+            <a:off x="7360025" y="3198921"/>
+            <a:ext cx="400424" cy="400424"/>
+          </a:xfrm>
+          <a:prstGeom prst="ellipse">
+            <a:avLst/>
+          </a:prstGeom>
+          <a:solidFill>
+            <a:srgbClr val="FFFF00"/>
+          </a:solidFill>
+          <a:ln>
+            <a:noFill/>
+          </a:ln>
+        </p:spPr>
+        <p:style>
+          <a:lnRef idx="2">
+            <a:schemeClr val="accent1">
+              <a:shade val="50000"/>
+            </a:schemeClr>
+          </a:lnRef>
+          <a:fillRef idx="1">
+            <a:schemeClr val="accent1"/>
+          </a:fillRef>
+          <a:effectRef idx="0">
+            <a:schemeClr val="accent1"/>
+          </a:effectRef>
+          <a:fontRef idx="minor">
+            <a:schemeClr val="lt1"/>
+          </a:fontRef>
+        </p:style>
+        <p:txBody>
+          <a:bodyPr rtlCol="0" anchor="ctr"/>
+          <a:lstStyle/>
+          <a:p>
+            <a:pPr algn="ctr"/>
+            <a:endParaRPr lang="en-US"/>
+          </a:p>
+        </p:txBody>
+      </p:sp>
+      <p:sp>
+        <p:nvSpPr>
+          <p:cNvPr id="5" name="Oval 4"/>
+          <p:cNvSpPr/>
+          <p:nvPr/>
+        </p:nvSpPr>
+        <p:spPr>
+          <a:xfrm>
+            <a:off x="4479365" y="2514943"/>
+            <a:ext cx="400424" cy="400424"/>
+          </a:xfrm>
+          <a:prstGeom prst="ellipse">
+            <a:avLst/>
+          </a:prstGeom>
+          <a:solidFill>
+            <a:srgbClr val="E947A7"/>
+          </a:solidFill>
+          <a:ln>
+            <a:noFill/>
+          </a:ln>
+        </p:spPr>
+        <p:style>
+          <a:lnRef idx="2">
+            <a:schemeClr val="accent1">
+              <a:shade val="50000"/>
+            </a:schemeClr>
+          </a:lnRef>
+          <a:fillRef idx="1">
+            <a:schemeClr val="accent1"/>
+          </a:fillRef>
+          <a:effectRef idx="0">
+            <a:schemeClr val="accent1"/>
+          </a:effectRef>
+          <a:fontRef idx="minor">
+            <a:schemeClr val="lt1"/>
+          </a:fontRef>
+        </p:style>
+        <p:txBody>
+          <a:bodyPr rtlCol="0" anchor="ctr"/>
+          <a:lstStyle/>
+          <a:p>
+            <a:pPr algn="ctr"/>
+            <a:endParaRPr lang="en-US"/>
+          </a:p>
+        </p:txBody>
+      </p:sp>
+      <p:sp>
+        <p:nvSpPr>
+          <p:cNvPr id="4" name="Oval 3"/>
+          <p:cNvSpPr/>
+          <p:nvPr/>
+        </p:nvSpPr>
+        <p:spPr>
+          <a:xfrm>
+            <a:off x="1553883" y="1830637"/>
+            <a:ext cx="400424" cy="400424"/>
+          </a:xfrm>
+          <a:prstGeom prst="ellipse">
+            <a:avLst/>
+          </a:prstGeom>
+          <a:solidFill>
+            <a:srgbClr val="FFFF00"/>
+          </a:solidFill>
+          <a:ln>
+            <a:noFill/>
+          </a:ln>
+        </p:spPr>
+        <p:style>
+          <a:lnRef idx="2">
+            <a:schemeClr val="accent1">
+              <a:shade val="50000"/>
+            </a:schemeClr>
+          </a:lnRef>
+          <a:fillRef idx="1">
+            <a:schemeClr val="accent1"/>
+          </a:fillRef>
+          <a:effectRef idx="0">
+            <a:schemeClr val="accent1"/>
+          </a:effectRef>
+          <a:fontRef idx="minor">
+            <a:schemeClr val="lt1"/>
+          </a:fontRef>
+        </p:style>
+        <p:txBody>
+          <a:bodyPr rtlCol="0" anchor="ctr"/>
+          <a:lstStyle/>
+          <a:p>
+            <a:pPr algn="ctr"/>
+            <a:endParaRPr lang="en-US"/>
+          </a:p>
+        </p:txBody>
+      </p:sp>
+      <p:cxnSp>
+        <p:nvCxnSpPr>
+          <p:cNvPr id="13" name="Straight Connector 12"/>
+          <p:cNvCxnSpPr/>
+          <p:nvPr/>
+        </p:nvCxnSpPr>
+        <p:spPr>
+          <a:xfrm flipV="1">
+            <a:off x="7560238" y="3429000"/>
+            <a:ext cx="3436552" cy="2"/>
+          </a:xfrm>
+          <a:prstGeom prst="line">
+            <a:avLst/>
+          </a:prstGeom>
+          <a:ln w="25400">
+            <a:solidFill>
+              <a:schemeClr val="bg1">
+                <a:lumMod val="95000"/>
+              </a:schemeClr>
+            </a:solidFill>
+          </a:ln>
+        </p:spPr>
+        <p:style>
+          <a:lnRef idx="1">
+            <a:schemeClr val="accent1"/>
+          </a:lnRef>
+          <a:fillRef idx="0">
+            <a:schemeClr val="accent1"/>
+          </a:fillRef>
+          <a:effectRef idx="0">
+            <a:schemeClr val="accent1"/>
+          </a:effectRef>
+          <a:fontRef idx="minor">
+            <a:schemeClr val="tx1"/>
+          </a:fontRef>
+        </p:style>
+      </p:cxnSp>
     </p:spTree>
     <p:extLst>
       <p:ext uri="{BB962C8B-B14F-4D97-AF65-F5344CB8AC3E}">
         <p14:creationId xmlns:p14="http://schemas.microsoft.com/office/powerpoint/2010/main" val="2896314424"/>
+      </p:ext>
+    </p:extLst>
+  </p:cSld>
+  <p:clrMapOvr>
+    <a:masterClrMapping/>
+  </p:clrMapOvr>
+</p:sld>
+</file>
+
+<file path=ppt/slides/slide4.xml><?xml version="1.0" encoding="utf-8"?>
+<p:sld xmlns:a="http://schemas.openxmlformats.org/drawingml/2006/main" xmlns:r="http://schemas.openxmlformats.org/officeDocument/2006/relationships" xmlns:p="http://schemas.openxmlformats.org/presentationml/2006/main">
+  <p:cSld>
+    <p:spTree>
+      <p:nvGrpSpPr>
+        <p:cNvPr id="1" name=""/>
+        <p:cNvGrpSpPr/>
+        <p:nvPr/>
+      </p:nvGrpSpPr>
+      <p:grpSpPr>
+        <a:xfrm>
+          <a:off x="0" y="0"/>
+          <a:ext cx="0" cy="0"/>
+          <a:chOff x="0" y="0"/>
+          <a:chExt cx="0" cy="0"/>
+        </a:xfrm>
+      </p:grpSpPr>
+      <p:pic>
+        <p:nvPicPr>
+          <p:cNvPr id="3" name="Picture 2"/>
+          <p:cNvPicPr>
+            <a:picLocks noChangeAspect="1"/>
+          </p:cNvPicPr>
+          <p:nvPr/>
+        </p:nvPicPr>
+        <p:blipFill>
+          <a:blip r:embed="rId2" cstate="print">
+            <a:extLst>
+              <a:ext uri="{28A0092B-C50C-407E-A947-70E740481C1C}">
+                <a14:useLocalDpi xmlns:a14="http://schemas.microsoft.com/office/drawing/2010/main" val="0"/>
+              </a:ext>
+            </a:extLst>
+          </a:blip>
+          <a:stretch>
+            <a:fillRect/>
+          </a:stretch>
+        </p:blipFill>
+        <p:spPr>
+          <a:xfrm>
+            <a:off x="5981224" y="981635"/>
+            <a:ext cx="5152160" cy="2286000"/>
+          </a:xfrm>
+          <a:prstGeom prst="rect">
+            <a:avLst/>
+          </a:prstGeom>
+        </p:spPr>
+      </p:pic>
+      <p:pic>
+        <p:nvPicPr>
+          <p:cNvPr id="2" name="Picture 1"/>
+          <p:cNvPicPr>
+            <a:picLocks noChangeAspect="1"/>
+          </p:cNvPicPr>
+          <p:nvPr/>
+        </p:nvPicPr>
+        <p:blipFill rotWithShape="1">
+          <a:blip r:embed="rId3" cstate="print">
+            <a:extLst>
+              <a:ext uri="{28A0092B-C50C-407E-A947-70E740481C1C}">
+                <a14:useLocalDpi xmlns:a14="http://schemas.microsoft.com/office/drawing/2010/main" val="0"/>
+              </a:ext>
+            </a:extLst>
+          </a:blip>
+          <a:srcRect r="390"/>
+          <a:stretch/>
+        </p:blipFill>
+        <p:spPr>
+          <a:xfrm>
+            <a:off x="1147046" y="981635"/>
+            <a:ext cx="5132732" cy="2286000"/>
+          </a:xfrm>
+          <a:prstGeom prst="rect">
+            <a:avLst/>
+          </a:prstGeom>
+        </p:spPr>
+      </p:pic>
+      <p:cxnSp>
+        <p:nvCxnSpPr>
+          <p:cNvPr id="4" name="Straight Connector 3"/>
+          <p:cNvCxnSpPr/>
+          <p:nvPr/>
+        </p:nvCxnSpPr>
+        <p:spPr>
+          <a:xfrm>
+            <a:off x="6189668" y="2249490"/>
+            <a:ext cx="4943716" cy="0"/>
+          </a:xfrm>
+          <a:prstGeom prst="line">
+            <a:avLst/>
+          </a:prstGeom>
+          <a:ln w="12700">
+            <a:solidFill>
+              <a:schemeClr val="bg1">
+                <a:lumMod val="95000"/>
+              </a:schemeClr>
+            </a:solidFill>
+          </a:ln>
+        </p:spPr>
+        <p:style>
+          <a:lnRef idx="1">
+            <a:schemeClr val="accent1"/>
+          </a:lnRef>
+          <a:fillRef idx="0">
+            <a:schemeClr val="accent1"/>
+          </a:fillRef>
+          <a:effectRef idx="0">
+            <a:schemeClr val="accent1"/>
+          </a:effectRef>
+          <a:fontRef idx="minor">
+            <a:schemeClr val="tx1"/>
+          </a:fontRef>
+        </p:style>
+      </p:cxnSp>
+      <p:sp>
+        <p:nvSpPr>
+          <p:cNvPr id="7" name="Rectangle 6"/>
+          <p:cNvSpPr/>
+          <p:nvPr/>
+        </p:nvSpPr>
+        <p:spPr>
+          <a:xfrm>
+            <a:off x="3003550" y="1276350"/>
+            <a:ext cx="412750" cy="1231900"/>
+          </a:xfrm>
+          <a:prstGeom prst="rect">
+            <a:avLst/>
+          </a:prstGeom>
+          <a:solidFill>
+            <a:srgbClr val="5DF739">
+              <a:alpha val="62000"/>
+            </a:srgbClr>
+          </a:solidFill>
+          <a:ln>
+            <a:noFill/>
+          </a:ln>
+        </p:spPr>
+        <p:style>
+          <a:lnRef idx="2">
+            <a:schemeClr val="accent1">
+              <a:shade val="50000"/>
+            </a:schemeClr>
+          </a:lnRef>
+          <a:fillRef idx="1">
+            <a:schemeClr val="accent1"/>
+          </a:fillRef>
+          <a:effectRef idx="0">
+            <a:schemeClr val="accent1"/>
+          </a:effectRef>
+          <a:fontRef idx="minor">
+            <a:schemeClr val="lt1"/>
+          </a:fontRef>
+        </p:style>
+        <p:txBody>
+          <a:bodyPr rtlCol="0" anchor="ctr"/>
+          <a:lstStyle/>
+          <a:p>
+            <a:pPr algn="ctr"/>
+            <a:endParaRPr lang="en-US"/>
+          </a:p>
+        </p:txBody>
+      </p:sp>
+      <p:sp>
+        <p:nvSpPr>
+          <p:cNvPr id="8" name="Rectangle 7"/>
+          <p:cNvSpPr/>
+          <p:nvPr/>
+        </p:nvSpPr>
+        <p:spPr>
+          <a:xfrm>
+            <a:off x="9448800" y="1276350"/>
+            <a:ext cx="412750" cy="1231900"/>
+          </a:xfrm>
+          <a:prstGeom prst="rect">
+            <a:avLst/>
+          </a:prstGeom>
+          <a:solidFill>
+            <a:srgbClr val="5DF739">
+              <a:alpha val="62000"/>
+            </a:srgbClr>
+          </a:solidFill>
+          <a:ln>
+            <a:noFill/>
+          </a:ln>
+        </p:spPr>
+        <p:style>
+          <a:lnRef idx="2">
+            <a:schemeClr val="accent1">
+              <a:shade val="50000"/>
+            </a:schemeClr>
+          </a:lnRef>
+          <a:fillRef idx="1">
+            <a:schemeClr val="accent1"/>
+          </a:fillRef>
+          <a:effectRef idx="0">
+            <a:schemeClr val="accent1"/>
+          </a:effectRef>
+          <a:fontRef idx="minor">
+            <a:schemeClr val="lt1"/>
+          </a:fontRef>
+        </p:style>
+        <p:txBody>
+          <a:bodyPr rtlCol="0" anchor="ctr"/>
+          <a:lstStyle/>
+          <a:p>
+            <a:pPr algn="ctr"/>
+            <a:endParaRPr lang="en-US"/>
+          </a:p>
+        </p:txBody>
+      </p:sp>
+      <p:sp>
+        <p:nvSpPr>
+          <p:cNvPr id="9" name="TextBox 8"/>
+          <p:cNvSpPr txBox="1"/>
+          <p:nvPr/>
+        </p:nvSpPr>
+        <p:spPr>
+          <a:xfrm>
+            <a:off x="2451100" y="2626332"/>
+            <a:ext cx="1517650" cy="261610"/>
+          </a:xfrm>
+          <a:prstGeom prst="rect">
+            <a:avLst/>
+          </a:prstGeom>
+          <a:noFill/>
+        </p:spPr>
+        <p:txBody>
+          <a:bodyPr wrap="square" rtlCol="0">
+            <a:spAutoFit/>
+          </a:bodyPr>
+          <a:lstStyle/>
+          <a:p>
+            <a:r>
+              <a:rPr lang="en-US" sz="1100" b="1" dirty="0" smtClean="0"/>
+              <a:t>FCWInRange</a:t>
+            </a:r>
+            <a:r>
+              <a:rPr lang="en-US" sz="1100" dirty="0" smtClean="0"/>
+              <a:t> Set to “1”</a:t>
+            </a:r>
+            <a:endParaRPr lang="en-US" sz="1100" dirty="0"/>
+          </a:p>
+        </p:txBody>
+      </p:sp>
+      <p:sp>
+        <p:nvSpPr>
+          <p:cNvPr id="10" name="TextBox 9"/>
+          <p:cNvSpPr txBox="1"/>
+          <p:nvPr/>
+        </p:nvSpPr>
+        <p:spPr>
+          <a:xfrm>
+            <a:off x="8896350" y="2624907"/>
+            <a:ext cx="1517650" cy="261610"/>
+          </a:xfrm>
+          <a:prstGeom prst="rect">
+            <a:avLst/>
+          </a:prstGeom>
+          <a:noFill/>
+        </p:spPr>
+        <p:txBody>
+          <a:bodyPr wrap="square" rtlCol="0">
+            <a:spAutoFit/>
+          </a:bodyPr>
+          <a:lstStyle/>
+          <a:p>
+            <a:r>
+              <a:rPr lang="en-US" sz="1100" b="1" dirty="0" smtClean="0"/>
+              <a:t>FCWInRange</a:t>
+            </a:r>
+            <a:r>
+              <a:rPr lang="en-US" sz="1100" dirty="0" smtClean="0"/>
+              <a:t> Set to “0”</a:t>
+            </a:r>
+            <a:endParaRPr lang="en-US" sz="1100" dirty="0"/>
+          </a:p>
+        </p:txBody>
+      </p:sp>
+      <p:cxnSp>
+        <p:nvCxnSpPr>
+          <p:cNvPr id="12" name="Straight Connector 11"/>
+          <p:cNvCxnSpPr>
+            <a:endCxn id="8" idx="0"/>
+          </p:cNvCxnSpPr>
+          <p:nvPr/>
+        </p:nvCxnSpPr>
+        <p:spPr>
+          <a:xfrm>
+            <a:off x="1555750" y="1276350"/>
+            <a:ext cx="8099425" cy="0"/>
+          </a:xfrm>
+          <a:prstGeom prst="line">
+            <a:avLst/>
+          </a:prstGeom>
+          <a:ln w="31750">
+            <a:solidFill>
+              <a:srgbClr val="FF0000"/>
+            </a:solidFill>
+          </a:ln>
+        </p:spPr>
+        <p:style>
+          <a:lnRef idx="1">
+            <a:schemeClr val="accent1"/>
+          </a:lnRef>
+          <a:fillRef idx="0">
+            <a:schemeClr val="accent1"/>
+          </a:fillRef>
+          <a:effectRef idx="0">
+            <a:schemeClr val="accent1"/>
+          </a:effectRef>
+          <a:fontRef idx="minor">
+            <a:schemeClr val="tx1"/>
+          </a:fontRef>
+        </p:style>
+      </p:cxnSp>
+      <p:cxnSp>
+        <p:nvCxnSpPr>
+          <p:cNvPr id="15" name="Straight Connector 14"/>
+          <p:cNvCxnSpPr/>
+          <p:nvPr/>
+        </p:nvCxnSpPr>
+        <p:spPr>
+          <a:xfrm>
+            <a:off x="1555750" y="1162050"/>
+            <a:ext cx="0" cy="228600"/>
+          </a:xfrm>
+          <a:prstGeom prst="line">
+            <a:avLst/>
+          </a:prstGeom>
+          <a:ln w="31750">
+            <a:solidFill>
+              <a:srgbClr val="FF0000"/>
+            </a:solidFill>
+          </a:ln>
+        </p:spPr>
+        <p:style>
+          <a:lnRef idx="1">
+            <a:schemeClr val="accent1"/>
+          </a:lnRef>
+          <a:fillRef idx="0">
+            <a:schemeClr val="accent1"/>
+          </a:fillRef>
+          <a:effectRef idx="0">
+            <a:schemeClr val="accent1"/>
+          </a:effectRef>
+          <a:fontRef idx="minor">
+            <a:schemeClr val="tx1"/>
+          </a:fontRef>
+        </p:style>
+      </p:cxnSp>
+      <p:cxnSp>
+        <p:nvCxnSpPr>
+          <p:cNvPr id="19" name="Straight Connector 18"/>
+          <p:cNvCxnSpPr/>
+          <p:nvPr/>
+        </p:nvCxnSpPr>
+        <p:spPr>
+          <a:xfrm>
+            <a:off x="9642475" y="1162050"/>
+            <a:ext cx="0" cy="228600"/>
+          </a:xfrm>
+          <a:prstGeom prst="line">
+            <a:avLst/>
+          </a:prstGeom>
+          <a:ln w="31750">
+            <a:solidFill>
+              <a:srgbClr val="FF0000"/>
+            </a:solidFill>
+          </a:ln>
+        </p:spPr>
+        <p:style>
+          <a:lnRef idx="1">
+            <a:schemeClr val="accent1"/>
+          </a:lnRef>
+          <a:fillRef idx="0">
+            <a:schemeClr val="accent1"/>
+          </a:fillRef>
+          <a:effectRef idx="0">
+            <a:schemeClr val="accent1"/>
+          </a:effectRef>
+          <a:fontRef idx="minor">
+            <a:schemeClr val="tx1"/>
+          </a:fontRef>
+        </p:style>
+      </p:cxnSp>
+      <p:sp>
+        <p:nvSpPr>
+          <p:cNvPr id="21" name="TextBox 20"/>
+          <p:cNvSpPr txBox="1"/>
+          <p:nvPr/>
+        </p:nvSpPr>
+        <p:spPr>
+          <a:xfrm>
+            <a:off x="5663061" y="1309456"/>
+            <a:ext cx="810392" cy="261610"/>
+          </a:xfrm>
+          <a:prstGeom prst="rect">
+            <a:avLst/>
+          </a:prstGeom>
+          <a:noFill/>
+        </p:spPr>
+        <p:txBody>
+          <a:bodyPr wrap="square" rtlCol="0">
+            <a:spAutoFit/>
+          </a:bodyPr>
+          <a:lstStyle/>
+          <a:p>
+            <a:r>
+              <a:rPr lang="en-US" sz="1100" dirty="0" smtClean="0">
+                <a:solidFill>
+                  <a:srgbClr val="FF0000"/>
+                </a:solidFill>
+              </a:rPr>
+              <a:t>Half a Trial</a:t>
+            </a:r>
+            <a:endParaRPr lang="en-US" sz="1100" dirty="0">
+              <a:solidFill>
+                <a:srgbClr val="FF0000"/>
+              </a:solidFill>
+            </a:endParaRPr>
+          </a:p>
+        </p:txBody>
+      </p:sp>
+    </p:spTree>
+    <p:extLst>
+      <p:ext uri="{BB962C8B-B14F-4D97-AF65-F5344CB8AC3E}">
+        <p14:creationId xmlns:p14="http://schemas.microsoft.com/office/powerpoint/2010/main" val="2553429159"/>
+      </p:ext>
+    </p:extLst>
+  </p:cSld>
+  <p:clrMapOvr>
+    <a:masterClrMapping/>
+  </p:clrMapOvr>
+</p:sld>
+</file>
+
+<file path=ppt/slides/slide5.xml><?xml version="1.0" encoding="utf-8"?>
+<p:sld xmlns:a="http://schemas.openxmlformats.org/drawingml/2006/main" xmlns:r="http://schemas.openxmlformats.org/officeDocument/2006/relationships" xmlns:p="http://schemas.openxmlformats.org/presentationml/2006/main">
+  <p:cSld>
+    <p:spTree>
+      <p:nvGrpSpPr>
+        <p:cNvPr id="1" name=""/>
+        <p:cNvGrpSpPr/>
+        <p:nvPr/>
+      </p:nvGrpSpPr>
+      <p:grpSpPr>
+        <a:xfrm>
+          <a:off x="0" y="0"/>
+          <a:ext cx="0" cy="0"/>
+          <a:chOff x="0" y="0"/>
+          <a:chExt cx="0" cy="0"/>
+        </a:xfrm>
+      </p:grpSpPr>
+      <p:pic>
+        <p:nvPicPr>
+          <p:cNvPr id="2" name="Picture 1"/>
+          <p:cNvPicPr>
+            <a:picLocks noChangeAspect="1"/>
+          </p:cNvPicPr>
+          <p:nvPr/>
+        </p:nvPicPr>
+        <p:blipFill>
+          <a:blip r:embed="rId2" cstate="print">
+            <a:extLst>
+              <a:ext uri="{28A0092B-C50C-407E-A947-70E740481C1C}">
+                <a14:useLocalDpi xmlns:a14="http://schemas.microsoft.com/office/drawing/2010/main" val="0"/>
+              </a:ext>
+            </a:extLst>
+          </a:blip>
+          <a:stretch>
+            <a:fillRect/>
+          </a:stretch>
+        </p:blipFill>
+        <p:spPr>
+          <a:xfrm rot="5400000">
+            <a:off x="1116792" y="-757261"/>
+            <a:ext cx="3092274" cy="4375859"/>
+          </a:xfrm>
+          <a:prstGeom prst="rect">
+            <a:avLst/>
+          </a:prstGeom>
+        </p:spPr>
+      </p:pic>
+      <p:pic>
+        <p:nvPicPr>
+          <p:cNvPr id="3" name="Picture 2"/>
+          <p:cNvPicPr>
+            <a:picLocks noChangeAspect="1"/>
+          </p:cNvPicPr>
+          <p:nvPr/>
+        </p:nvPicPr>
+        <p:blipFill>
+          <a:blip r:embed="rId3" cstate="print">
+            <a:extLst>
+              <a:ext uri="{28A0092B-C50C-407E-A947-70E740481C1C}">
+                <a14:useLocalDpi xmlns:a14="http://schemas.microsoft.com/office/drawing/2010/main" val="0"/>
+              </a:ext>
+            </a:extLst>
+          </a:blip>
+          <a:stretch>
+            <a:fillRect/>
+          </a:stretch>
+        </p:blipFill>
+        <p:spPr>
+          <a:xfrm>
+            <a:off x="5963438" y="-238999"/>
+            <a:ext cx="5570018" cy="3215805"/>
+          </a:xfrm>
+          <a:prstGeom prst="rect">
+            <a:avLst/>
+          </a:prstGeom>
+        </p:spPr>
+      </p:pic>
+      <p:pic>
+        <p:nvPicPr>
+          <p:cNvPr id="4" name="Picture 3"/>
+          <p:cNvPicPr>
+            <a:picLocks noChangeAspect="1"/>
+          </p:cNvPicPr>
+          <p:nvPr/>
+        </p:nvPicPr>
+        <p:blipFill>
+          <a:blip r:embed="rId4" cstate="print">
+            <a:extLst>
+              <a:ext uri="{28A0092B-C50C-407E-A947-70E740481C1C}">
+                <a14:useLocalDpi xmlns:a14="http://schemas.microsoft.com/office/drawing/2010/main" val="0"/>
+              </a:ext>
+            </a:extLst>
+          </a:blip>
+          <a:stretch>
+            <a:fillRect/>
+          </a:stretch>
+        </p:blipFill>
+        <p:spPr>
+          <a:xfrm>
+            <a:off x="6069213" y="3450692"/>
+            <a:ext cx="5077122" cy="2992077"/>
+          </a:xfrm>
+          <a:prstGeom prst="rect">
+            <a:avLst/>
+          </a:prstGeom>
+        </p:spPr>
+      </p:pic>
+      <p:pic>
+        <p:nvPicPr>
+          <p:cNvPr id="5" name="Picture 4"/>
+          <p:cNvPicPr>
+            <a:picLocks noChangeAspect="1"/>
+          </p:cNvPicPr>
+          <p:nvPr/>
+        </p:nvPicPr>
+        <p:blipFill>
+          <a:blip r:embed="rId5" cstate="print">
+            <a:extLst>
+              <a:ext uri="{28A0092B-C50C-407E-A947-70E740481C1C}">
+                <a14:useLocalDpi xmlns:a14="http://schemas.microsoft.com/office/drawing/2010/main" val="0"/>
+              </a:ext>
+            </a:extLst>
+          </a:blip>
+          <a:stretch>
+            <a:fillRect/>
+          </a:stretch>
+        </p:blipFill>
+        <p:spPr>
+          <a:xfrm>
+            <a:off x="121234" y="3450692"/>
+            <a:ext cx="5324136" cy="3103144"/>
+          </a:xfrm>
+          <a:prstGeom prst="rect">
+            <a:avLst/>
+          </a:prstGeom>
+        </p:spPr>
+      </p:pic>
+      <p:sp>
+        <p:nvSpPr>
+          <p:cNvPr id="6" name="TextBox 5"/>
+          <p:cNvSpPr txBox="1"/>
+          <p:nvPr/>
+        </p:nvSpPr>
+        <p:spPr>
+          <a:xfrm>
+            <a:off x="647422" y="2476222"/>
+            <a:ext cx="820958" cy="369332"/>
+          </a:xfrm>
+          <a:prstGeom prst="rect">
+            <a:avLst/>
+          </a:prstGeom>
+          <a:noFill/>
+        </p:spPr>
+        <p:txBody>
+          <a:bodyPr wrap="square" rtlCol="0">
+            <a:spAutoFit/>
+          </a:bodyPr>
+          <a:lstStyle/>
+          <a:p>
+            <a:r>
+              <a:rPr lang="en-US" dirty="0" smtClean="0"/>
+              <a:t>None</a:t>
+            </a:r>
+          </a:p>
+        </p:txBody>
+      </p:sp>
+      <p:sp>
+        <p:nvSpPr>
+          <p:cNvPr id="7" name="TextBox 6"/>
+          <p:cNvSpPr txBox="1"/>
+          <p:nvPr/>
+        </p:nvSpPr>
+        <p:spPr>
+          <a:xfrm>
+            <a:off x="647422" y="6203404"/>
+            <a:ext cx="820958" cy="369332"/>
+          </a:xfrm>
+          <a:prstGeom prst="rect">
+            <a:avLst/>
+          </a:prstGeom>
+          <a:noFill/>
+        </p:spPr>
+        <p:txBody>
+          <a:bodyPr wrap="square" rtlCol="0">
+            <a:spAutoFit/>
+          </a:bodyPr>
+          <a:lstStyle/>
+          <a:p>
+            <a:r>
+              <a:rPr lang="en-US" dirty="0" smtClean="0"/>
+              <a:t>Left</a:t>
+            </a:r>
+          </a:p>
+        </p:txBody>
+      </p:sp>
+      <p:sp>
+        <p:nvSpPr>
+          <p:cNvPr id="8" name="TextBox 7"/>
+          <p:cNvSpPr txBox="1"/>
+          <p:nvPr/>
+        </p:nvSpPr>
+        <p:spPr>
+          <a:xfrm>
+            <a:off x="6568705" y="6203404"/>
+            <a:ext cx="820958" cy="369332"/>
+          </a:xfrm>
+          <a:prstGeom prst="rect">
+            <a:avLst/>
+          </a:prstGeom>
+          <a:noFill/>
+        </p:spPr>
+        <p:txBody>
+          <a:bodyPr wrap="square" rtlCol="0">
+            <a:spAutoFit/>
+          </a:bodyPr>
+          <a:lstStyle/>
+          <a:p>
+            <a:r>
+              <a:rPr lang="en-US" dirty="0" smtClean="0"/>
+              <a:t>Right</a:t>
+            </a:r>
+          </a:p>
+        </p:txBody>
+      </p:sp>
+      <p:sp>
+        <p:nvSpPr>
+          <p:cNvPr id="9" name="TextBox 8"/>
+          <p:cNvSpPr txBox="1"/>
+          <p:nvPr/>
+        </p:nvSpPr>
+        <p:spPr>
+          <a:xfrm>
+            <a:off x="6568704" y="2748286"/>
+            <a:ext cx="946729" cy="369332"/>
+          </a:xfrm>
+          <a:prstGeom prst="rect">
+            <a:avLst/>
+          </a:prstGeom>
+          <a:noFill/>
+        </p:spPr>
+        <p:txBody>
+          <a:bodyPr wrap="square" rtlCol="0">
+            <a:spAutoFit/>
+          </a:bodyPr>
+          <a:lstStyle/>
+          <a:p>
+            <a:r>
+              <a:rPr lang="en-US" dirty="0" smtClean="0"/>
+              <a:t>Hazards</a:t>
+            </a:r>
+          </a:p>
+        </p:txBody>
+      </p:sp>
+    </p:spTree>
+    <p:extLst>
+      <p:ext uri="{BB962C8B-B14F-4D97-AF65-F5344CB8AC3E}">
+        <p14:creationId xmlns:p14="http://schemas.microsoft.com/office/powerpoint/2010/main" val="2968819223"/>
+      </p:ext>
+    </p:extLst>
+  </p:cSld>
+  <p:clrMapOvr>
+    <a:masterClrMapping/>
+  </p:clrMapOvr>
+</p:sld>
+</file>
+
+<file path=ppt/slides/slide6.xml><?xml version="1.0" encoding="utf-8"?>
+<p:sld xmlns:a="http://schemas.openxmlformats.org/drawingml/2006/main" xmlns:r="http://schemas.openxmlformats.org/officeDocument/2006/relationships" xmlns:p="http://schemas.openxmlformats.org/presentationml/2006/main">
+  <p:cSld>
+    <p:spTree>
+      <p:nvGrpSpPr>
+        <p:cNvPr id="1" name=""/>
+        <p:cNvGrpSpPr/>
+        <p:nvPr/>
+      </p:nvGrpSpPr>
+      <p:grpSpPr>
+        <a:xfrm>
+          <a:off x="0" y="0"/>
+          <a:ext cx="0" cy="0"/>
+          <a:chOff x="0" y="0"/>
+          <a:chExt cx="0" cy="0"/>
+        </a:xfrm>
+      </p:grpSpPr>
+      <p:sp>
+        <p:nvSpPr>
+          <p:cNvPr id="4" name="Rectangle 3"/>
+          <p:cNvSpPr/>
+          <p:nvPr/>
+        </p:nvSpPr>
+        <p:spPr>
+          <a:xfrm>
+            <a:off x="77694" y="1494118"/>
+            <a:ext cx="12114306" cy="3091329"/>
+          </a:xfrm>
+          <a:prstGeom prst="rect">
+            <a:avLst/>
+          </a:prstGeom>
+          <a:solidFill>
+            <a:schemeClr val="bg1">
+              <a:lumMod val="65000"/>
+            </a:schemeClr>
+          </a:solidFill>
+          <a:ln>
+            <a:solidFill>
+              <a:schemeClr val="bg1">
+                <a:lumMod val="65000"/>
+              </a:schemeClr>
+            </a:solidFill>
+          </a:ln>
+        </p:spPr>
+        <p:style>
+          <a:lnRef idx="2">
+            <a:schemeClr val="accent1">
+              <a:shade val="50000"/>
+            </a:schemeClr>
+          </a:lnRef>
+          <a:fillRef idx="1">
+            <a:schemeClr val="accent1"/>
+          </a:fillRef>
+          <a:effectRef idx="0">
+            <a:schemeClr val="accent1"/>
+          </a:effectRef>
+          <a:fontRef idx="minor">
+            <a:schemeClr val="lt1"/>
+          </a:fontRef>
+        </p:style>
+        <p:txBody>
+          <a:bodyPr rtlCol="0" anchor="ctr"/>
+          <a:lstStyle/>
+          <a:p>
+            <a:pPr algn="ctr"/>
+            <a:endParaRPr lang="en-US"/>
+          </a:p>
+        </p:txBody>
+      </p:sp>
+      <p:cxnSp>
+        <p:nvCxnSpPr>
+          <p:cNvPr id="6" name="Straight Connector 5"/>
+          <p:cNvCxnSpPr/>
+          <p:nvPr/>
+        </p:nvCxnSpPr>
+        <p:spPr>
+          <a:xfrm>
+            <a:off x="77694" y="1849718"/>
+            <a:ext cx="12114306" cy="0"/>
+          </a:xfrm>
+          <a:prstGeom prst="line">
+            <a:avLst/>
+          </a:prstGeom>
+          <a:ln w="53975">
+            <a:solidFill>
+              <a:srgbClr val="F3BF3D"/>
+            </a:solidFill>
+          </a:ln>
+        </p:spPr>
+        <p:style>
+          <a:lnRef idx="1">
+            <a:schemeClr val="accent1"/>
+          </a:lnRef>
+          <a:fillRef idx="0">
+            <a:schemeClr val="accent1"/>
+          </a:fillRef>
+          <a:effectRef idx="0">
+            <a:schemeClr val="accent1"/>
+          </a:effectRef>
+          <a:fontRef idx="minor">
+            <a:schemeClr val="tx1"/>
+          </a:fontRef>
+        </p:style>
+      </p:cxnSp>
+      <p:cxnSp>
+        <p:nvCxnSpPr>
+          <p:cNvPr id="7" name="Straight Connector 6"/>
+          <p:cNvCxnSpPr/>
+          <p:nvPr/>
+        </p:nvCxnSpPr>
+        <p:spPr>
+          <a:xfrm>
+            <a:off x="77694" y="3617259"/>
+            <a:ext cx="12114306" cy="0"/>
+          </a:xfrm>
+          <a:prstGeom prst="line">
+            <a:avLst/>
+          </a:prstGeom>
+          <a:ln w="53975">
+            <a:solidFill>
+              <a:schemeClr val="bg1"/>
+            </a:solidFill>
+          </a:ln>
+        </p:spPr>
+        <p:style>
+          <a:lnRef idx="1">
+            <a:schemeClr val="accent1"/>
+          </a:lnRef>
+          <a:fillRef idx="0">
+            <a:schemeClr val="accent1"/>
+          </a:fillRef>
+          <a:effectRef idx="0">
+            <a:schemeClr val="accent1"/>
+          </a:effectRef>
+          <a:fontRef idx="minor">
+            <a:schemeClr val="tx1"/>
+          </a:fontRef>
+        </p:style>
+      </p:cxnSp>
+      <p:cxnSp>
+        <p:nvCxnSpPr>
+          <p:cNvPr id="8" name="Straight Connector 7"/>
+          <p:cNvCxnSpPr/>
+          <p:nvPr/>
+        </p:nvCxnSpPr>
+        <p:spPr>
+          <a:xfrm flipV="1">
+            <a:off x="77694" y="2709583"/>
+            <a:ext cx="12135431" cy="33618"/>
+          </a:xfrm>
+          <a:prstGeom prst="line">
+            <a:avLst/>
+          </a:prstGeom>
+          <a:ln w="53975">
+            <a:solidFill>
+              <a:schemeClr val="bg1"/>
+            </a:solidFill>
+            <a:prstDash val="dash"/>
+          </a:ln>
+        </p:spPr>
+        <p:style>
+          <a:lnRef idx="1">
+            <a:schemeClr val="accent1"/>
+          </a:lnRef>
+          <a:fillRef idx="0">
+            <a:schemeClr val="accent1"/>
+          </a:fillRef>
+          <a:effectRef idx="0">
+            <a:schemeClr val="accent1"/>
+          </a:effectRef>
+          <a:fontRef idx="minor">
+            <a:schemeClr val="tx1"/>
+          </a:fontRef>
+        </p:style>
+      </p:cxnSp>
+      <p:pic>
+        <p:nvPicPr>
+          <p:cNvPr id="10" name="Picture 9"/>
+          <p:cNvPicPr>
+            <a:picLocks noChangeAspect="1"/>
+          </p:cNvPicPr>
+          <p:nvPr/>
+        </p:nvPicPr>
+        <p:blipFill>
+          <a:blip r:embed="rId2" cstate="print">
+            <a:extLst>
+              <a:ext uri="{28A0092B-C50C-407E-A947-70E740481C1C}">
+                <a14:useLocalDpi xmlns:a14="http://schemas.microsoft.com/office/drawing/2010/main" val="0"/>
+              </a:ext>
+            </a:extLst>
+          </a:blip>
+          <a:stretch>
+            <a:fillRect/>
+          </a:stretch>
+        </p:blipFill>
+        <p:spPr>
+          <a:xfrm rot="10800000">
+            <a:off x="214618" y="3668432"/>
+            <a:ext cx="1264781" cy="679077"/>
+          </a:xfrm>
+          <a:prstGeom prst="rect">
+            <a:avLst/>
+          </a:prstGeom>
+        </p:spPr>
+      </p:pic>
+      <p:sp>
+        <p:nvSpPr>
+          <p:cNvPr id="11" name="Oval 10"/>
+          <p:cNvSpPr/>
+          <p:nvPr/>
+        </p:nvSpPr>
+        <p:spPr>
+          <a:xfrm>
+            <a:off x="652182" y="3025588"/>
+            <a:ext cx="277206" cy="277206"/>
+          </a:xfrm>
+          <a:prstGeom prst="ellipse">
+            <a:avLst/>
+          </a:prstGeom>
+          <a:solidFill>
+            <a:srgbClr val="FF0000"/>
+          </a:solidFill>
+          <a:ln>
+            <a:solidFill>
+              <a:srgbClr val="FF0000"/>
+            </a:solidFill>
+          </a:ln>
+        </p:spPr>
+        <p:style>
+          <a:lnRef idx="2">
+            <a:schemeClr val="accent1">
+              <a:shade val="50000"/>
+            </a:schemeClr>
+          </a:lnRef>
+          <a:fillRef idx="1">
+            <a:schemeClr val="accent1"/>
+          </a:fillRef>
+          <a:effectRef idx="0">
+            <a:schemeClr val="accent1"/>
+          </a:effectRef>
+          <a:fontRef idx="minor">
+            <a:schemeClr val="lt1"/>
+          </a:fontRef>
+        </p:style>
+        <p:txBody>
+          <a:bodyPr rtlCol="0" anchor="ctr"/>
+          <a:lstStyle/>
+          <a:p>
+            <a:pPr algn="ctr"/>
+            <a:endParaRPr lang="en-US"/>
+          </a:p>
+        </p:txBody>
+      </p:sp>
+      <p:sp>
+        <p:nvSpPr>
+          <p:cNvPr id="12" name="Oval 11"/>
+          <p:cNvSpPr/>
+          <p:nvPr/>
+        </p:nvSpPr>
+        <p:spPr>
+          <a:xfrm>
+            <a:off x="694764" y="3074894"/>
+            <a:ext cx="183777" cy="183777"/>
+          </a:xfrm>
+          <a:prstGeom prst="ellipse">
+            <a:avLst/>
+          </a:prstGeom>
+          <a:solidFill>
+            <a:schemeClr val="bg1"/>
+          </a:solidFill>
+          <a:ln>
+            <a:solidFill>
+              <a:schemeClr val="bg1"/>
+            </a:solidFill>
+          </a:ln>
+        </p:spPr>
+        <p:style>
+          <a:lnRef idx="2">
+            <a:schemeClr val="accent1">
+              <a:shade val="50000"/>
+            </a:schemeClr>
+          </a:lnRef>
+          <a:fillRef idx="1">
+            <a:schemeClr val="accent1"/>
+          </a:fillRef>
+          <a:effectRef idx="0">
+            <a:schemeClr val="accent1"/>
+          </a:effectRef>
+          <a:fontRef idx="minor">
+            <a:schemeClr val="lt1"/>
+          </a:fontRef>
+        </p:style>
+        <p:txBody>
+          <a:bodyPr rtlCol="0" anchor="ctr"/>
+          <a:lstStyle/>
+          <a:p>
+            <a:pPr algn="ctr"/>
+            <a:endParaRPr lang="en-US"/>
+          </a:p>
+        </p:txBody>
+      </p:sp>
+      <p:sp>
+        <p:nvSpPr>
+          <p:cNvPr id="13" name="Oval 12"/>
+          <p:cNvSpPr/>
+          <p:nvPr/>
+        </p:nvSpPr>
+        <p:spPr>
+          <a:xfrm>
+            <a:off x="745377" y="3122916"/>
+            <a:ext cx="82549" cy="82549"/>
+          </a:xfrm>
+          <a:prstGeom prst="ellipse">
+            <a:avLst/>
+          </a:prstGeom>
+          <a:solidFill>
+            <a:srgbClr val="FF0000"/>
+          </a:solidFill>
+          <a:ln>
+            <a:solidFill>
+              <a:srgbClr val="FF0000"/>
+            </a:solidFill>
+          </a:ln>
+        </p:spPr>
+        <p:style>
+          <a:lnRef idx="2">
+            <a:schemeClr val="accent1">
+              <a:shade val="50000"/>
+            </a:schemeClr>
+          </a:lnRef>
+          <a:fillRef idx="1">
+            <a:schemeClr val="accent1"/>
+          </a:fillRef>
+          <a:effectRef idx="0">
+            <a:schemeClr val="accent1"/>
+          </a:effectRef>
+          <a:fontRef idx="minor">
+            <a:schemeClr val="lt1"/>
+          </a:fontRef>
+        </p:style>
+        <p:txBody>
+          <a:bodyPr rtlCol="0" anchor="ctr"/>
+          <a:lstStyle/>
+          <a:p>
+            <a:pPr algn="ctr"/>
+            <a:endParaRPr lang="en-US"/>
+          </a:p>
+        </p:txBody>
+      </p:sp>
+      <p:sp>
+        <p:nvSpPr>
+          <p:cNvPr id="17" name="Oval 16"/>
+          <p:cNvSpPr/>
+          <p:nvPr/>
+        </p:nvSpPr>
+        <p:spPr>
+          <a:xfrm>
+            <a:off x="4991505" y="3085010"/>
+            <a:ext cx="173661" cy="173661"/>
+          </a:xfrm>
+          <a:prstGeom prst="ellipse">
+            <a:avLst/>
+          </a:prstGeom>
+          <a:solidFill>
+            <a:srgbClr val="FFFF00"/>
+          </a:solidFill>
+          <a:ln>
+            <a:noFill/>
+          </a:ln>
+        </p:spPr>
+        <p:style>
+          <a:lnRef idx="2">
+            <a:schemeClr val="accent1">
+              <a:shade val="50000"/>
+            </a:schemeClr>
+          </a:lnRef>
+          <a:fillRef idx="1">
+            <a:schemeClr val="accent1"/>
+          </a:fillRef>
+          <a:effectRef idx="0">
+            <a:schemeClr val="accent1"/>
+          </a:effectRef>
+          <a:fontRef idx="minor">
+            <a:schemeClr val="lt1"/>
+          </a:fontRef>
+        </p:style>
+        <p:txBody>
+          <a:bodyPr rtlCol="0" anchor="ctr"/>
+          <a:lstStyle/>
+          <a:p>
+            <a:pPr algn="ctr"/>
+            <a:endParaRPr lang="en-US"/>
+          </a:p>
+        </p:txBody>
+      </p:sp>
+      <p:sp>
+        <p:nvSpPr>
+          <p:cNvPr id="19" name="Oval 18"/>
+          <p:cNvSpPr/>
+          <p:nvPr/>
+        </p:nvSpPr>
+        <p:spPr>
+          <a:xfrm>
+            <a:off x="673347" y="3921139"/>
+            <a:ext cx="173661" cy="173661"/>
+          </a:xfrm>
+          <a:prstGeom prst="ellipse">
+            <a:avLst/>
+          </a:prstGeom>
+          <a:solidFill>
+            <a:srgbClr val="FFFF00"/>
+          </a:solidFill>
+          <a:ln>
+            <a:noFill/>
+          </a:ln>
+        </p:spPr>
+        <p:style>
+          <a:lnRef idx="2">
+            <a:schemeClr val="accent1">
+              <a:shade val="50000"/>
+            </a:schemeClr>
+          </a:lnRef>
+          <a:fillRef idx="1">
+            <a:schemeClr val="accent1"/>
+          </a:fillRef>
+          <a:effectRef idx="0">
+            <a:schemeClr val="accent1"/>
+          </a:effectRef>
+          <a:fontRef idx="minor">
+            <a:schemeClr val="lt1"/>
+          </a:fontRef>
+        </p:style>
+        <p:txBody>
+          <a:bodyPr rtlCol="0" anchor="ctr"/>
+          <a:lstStyle/>
+          <a:p>
+            <a:pPr algn="ctr"/>
+            <a:endParaRPr lang="en-US"/>
+          </a:p>
+        </p:txBody>
+      </p:sp>
+      <p:cxnSp>
+        <p:nvCxnSpPr>
+          <p:cNvPr id="20" name="Straight Connector 19"/>
+          <p:cNvCxnSpPr>
+            <a:stCxn id="19" idx="6"/>
+            <a:endCxn id="17" idx="2"/>
+          </p:cNvCxnSpPr>
+          <p:nvPr/>
+        </p:nvCxnSpPr>
+        <p:spPr>
+          <a:xfrm flipV="1">
+            <a:off x="847008" y="3171841"/>
+            <a:ext cx="4144497" cy="836129"/>
+          </a:xfrm>
+          <a:prstGeom prst="line">
+            <a:avLst/>
+          </a:prstGeom>
+          <a:ln w="25400">
+            <a:solidFill>
+              <a:schemeClr val="bg1">
+                <a:lumMod val="95000"/>
+              </a:schemeClr>
+            </a:solidFill>
+          </a:ln>
+        </p:spPr>
+        <p:style>
+          <a:lnRef idx="1">
+            <a:schemeClr val="accent4"/>
+          </a:lnRef>
+          <a:fillRef idx="0">
+            <a:schemeClr val="accent4"/>
+          </a:fillRef>
+          <a:effectRef idx="0">
+            <a:schemeClr val="accent4"/>
+          </a:effectRef>
+          <a:fontRef idx="minor">
+            <a:schemeClr val="tx1"/>
+          </a:fontRef>
+        </p:style>
+      </p:cxnSp>
+      <p:sp>
+        <p:nvSpPr>
+          <p:cNvPr id="18" name="Oval 17"/>
+          <p:cNvSpPr/>
+          <p:nvPr/>
+        </p:nvSpPr>
+        <p:spPr>
+          <a:xfrm>
+            <a:off x="2733392" y="3530428"/>
+            <a:ext cx="173661" cy="173661"/>
+          </a:xfrm>
+          <a:prstGeom prst="ellipse">
+            <a:avLst/>
+          </a:prstGeom>
+          <a:solidFill>
+            <a:srgbClr val="E947A7"/>
+          </a:solidFill>
+          <a:ln>
+            <a:noFill/>
+          </a:ln>
+        </p:spPr>
+        <p:style>
+          <a:lnRef idx="2">
+            <a:schemeClr val="accent1">
+              <a:shade val="50000"/>
+            </a:schemeClr>
+          </a:lnRef>
+          <a:fillRef idx="1">
+            <a:schemeClr val="accent1"/>
+          </a:fillRef>
+          <a:effectRef idx="0">
+            <a:schemeClr val="accent1"/>
+          </a:effectRef>
+          <a:fontRef idx="minor">
+            <a:schemeClr val="lt1"/>
+          </a:fontRef>
+        </p:style>
+        <p:txBody>
+          <a:bodyPr rtlCol="0" anchor="ctr"/>
+          <a:lstStyle/>
+          <a:p>
+            <a:pPr algn="ctr"/>
+            <a:endParaRPr lang="en-US"/>
+          </a:p>
+        </p:txBody>
+      </p:sp>
+      <p:cxnSp>
+        <p:nvCxnSpPr>
+          <p:cNvPr id="23" name="Straight Connector 22"/>
+          <p:cNvCxnSpPr>
+            <a:stCxn id="17" idx="6"/>
+          </p:cNvCxnSpPr>
+          <p:nvPr/>
+        </p:nvCxnSpPr>
+        <p:spPr>
+          <a:xfrm flipV="1">
+            <a:off x="5165166" y="3164190"/>
+            <a:ext cx="7026834" cy="7651"/>
+          </a:xfrm>
+          <a:prstGeom prst="line">
+            <a:avLst/>
+          </a:prstGeom>
+          <a:ln w="25400">
+            <a:solidFill>
+              <a:schemeClr val="bg1">
+                <a:lumMod val="95000"/>
+              </a:schemeClr>
+            </a:solidFill>
+          </a:ln>
+        </p:spPr>
+        <p:style>
+          <a:lnRef idx="1">
+            <a:schemeClr val="accent4"/>
+          </a:lnRef>
+          <a:fillRef idx="0">
+            <a:schemeClr val="accent4"/>
+          </a:fillRef>
+          <a:effectRef idx="0">
+            <a:schemeClr val="accent4"/>
+          </a:effectRef>
+          <a:fontRef idx="minor">
+            <a:schemeClr val="tx1"/>
+          </a:fontRef>
+        </p:style>
+      </p:cxnSp>
+      <p:sp>
+        <p:nvSpPr>
+          <p:cNvPr id="28" name="Oval 27"/>
+          <p:cNvSpPr/>
+          <p:nvPr/>
+        </p:nvSpPr>
+        <p:spPr>
+          <a:xfrm>
+            <a:off x="8399893" y="3087007"/>
+            <a:ext cx="173661" cy="173661"/>
+          </a:xfrm>
+          <a:prstGeom prst="ellipse">
+            <a:avLst/>
+          </a:prstGeom>
+          <a:solidFill>
+            <a:srgbClr val="FFFF00"/>
+          </a:solidFill>
+          <a:ln>
+            <a:noFill/>
+          </a:ln>
+        </p:spPr>
+        <p:style>
+          <a:lnRef idx="2">
+            <a:schemeClr val="accent1">
+              <a:shade val="50000"/>
+            </a:schemeClr>
+          </a:lnRef>
+          <a:fillRef idx="1">
+            <a:schemeClr val="accent1"/>
+          </a:fillRef>
+          <a:effectRef idx="0">
+            <a:schemeClr val="accent1"/>
+          </a:effectRef>
+          <a:fontRef idx="minor">
+            <a:schemeClr val="lt1"/>
+          </a:fontRef>
+        </p:style>
+        <p:txBody>
+          <a:bodyPr rtlCol="0" anchor="ctr"/>
+          <a:lstStyle/>
+          <a:p>
+            <a:pPr algn="ctr"/>
+            <a:endParaRPr lang="en-US"/>
+          </a:p>
+        </p:txBody>
+      </p:sp>
+      <p:sp>
+        <p:nvSpPr>
+          <p:cNvPr id="30" name="Oval 29"/>
+          <p:cNvSpPr/>
+          <p:nvPr/>
+        </p:nvSpPr>
+        <p:spPr>
+          <a:xfrm>
+            <a:off x="11727857" y="3074894"/>
+            <a:ext cx="173661" cy="173661"/>
+          </a:xfrm>
+          <a:prstGeom prst="ellipse">
+            <a:avLst/>
+          </a:prstGeom>
+          <a:solidFill>
+            <a:srgbClr val="FFFF00"/>
+          </a:solidFill>
+          <a:ln>
+            <a:noFill/>
+          </a:ln>
+        </p:spPr>
+        <p:style>
+          <a:lnRef idx="2">
+            <a:schemeClr val="accent1">
+              <a:shade val="50000"/>
+            </a:schemeClr>
+          </a:lnRef>
+          <a:fillRef idx="1">
+            <a:schemeClr val="accent1"/>
+          </a:fillRef>
+          <a:effectRef idx="0">
+            <a:schemeClr val="accent1"/>
+          </a:effectRef>
+          <a:fontRef idx="minor">
+            <a:schemeClr val="lt1"/>
+          </a:fontRef>
+        </p:style>
+        <p:txBody>
+          <a:bodyPr rtlCol="0" anchor="ctr"/>
+          <a:lstStyle/>
+          <a:p>
+            <a:pPr algn="ctr"/>
+            <a:endParaRPr lang="en-US"/>
+          </a:p>
+        </p:txBody>
+      </p:sp>
+      <p:sp>
+        <p:nvSpPr>
+          <p:cNvPr id="31" name="TextBox 30"/>
+          <p:cNvSpPr txBox="1"/>
+          <p:nvPr/>
+        </p:nvSpPr>
+        <p:spPr>
+          <a:xfrm>
+            <a:off x="154641" y="1506012"/>
+            <a:ext cx="2339789" cy="1077218"/>
+          </a:xfrm>
+          <a:prstGeom prst="rect">
+            <a:avLst/>
+          </a:prstGeom>
+          <a:noFill/>
+          <a:ln>
+            <a:solidFill>
+              <a:schemeClr val="tx1"/>
+            </a:solidFill>
+          </a:ln>
+        </p:spPr>
+        <p:txBody>
+          <a:bodyPr wrap="square" rtlCol="0">
+            <a:spAutoFit/>
+          </a:bodyPr>
+          <a:lstStyle/>
+          <a:p>
+            <a:pPr algn="ctr"/>
+            <a:r>
+              <a:rPr lang="en-US" sz="1600" dirty="0" smtClean="0"/>
+              <a:t>Legend</a:t>
+            </a:r>
+          </a:p>
+          <a:p>
+            <a:pPr>
+              <a:lnSpc>
+                <a:spcPct val="150000"/>
+              </a:lnSpc>
+            </a:pPr>
+            <a:r>
+              <a:rPr lang="en-US" sz="1600" dirty="0" smtClean="0"/>
+              <a:t>       Target Location</a:t>
+            </a:r>
+          </a:p>
+          <a:p>
+            <a:pPr>
+              <a:lnSpc>
+                <a:spcPct val="150000"/>
+              </a:lnSpc>
+            </a:pPr>
+            <a:r>
+              <a:rPr lang="en-US" sz="1200" dirty="0" smtClean="0"/>
+              <a:t>         </a:t>
+            </a:r>
+            <a:r>
+              <a:rPr lang="en-US" sz="1600" dirty="0" smtClean="0"/>
+              <a:t>Target Location point</a:t>
+            </a:r>
+            <a:endParaRPr lang="en-US" sz="1200" dirty="0"/>
+          </a:p>
+        </p:txBody>
+      </p:sp>
+      <p:grpSp>
+        <p:nvGrpSpPr>
+          <p:cNvPr id="35" name="Group 34"/>
+          <p:cNvGrpSpPr/>
+          <p:nvPr/>
+        </p:nvGrpSpPr>
+        <p:grpSpPr>
+          <a:xfrm>
+            <a:off x="185317" y="1867190"/>
+            <a:ext cx="277206" cy="277206"/>
+            <a:chOff x="790785" y="4949216"/>
+            <a:chExt cx="277206" cy="277206"/>
+          </a:xfrm>
+        </p:grpSpPr>
+        <p:sp>
+          <p:nvSpPr>
+            <p:cNvPr id="32" name="Oval 31"/>
+            <p:cNvSpPr/>
+            <p:nvPr/>
+          </p:nvSpPr>
+          <p:spPr>
+            <a:xfrm>
+              <a:off x="790785" y="4949216"/>
+              <a:ext cx="277206" cy="277206"/>
+            </a:xfrm>
+            <a:prstGeom prst="ellipse">
+              <a:avLst/>
+            </a:prstGeom>
+            <a:solidFill>
+              <a:srgbClr val="FF0000"/>
+            </a:solidFill>
+            <a:ln>
+              <a:solidFill>
+                <a:srgbClr val="FF0000"/>
+              </a:solidFill>
+            </a:ln>
+          </p:spPr>
+          <p:style>
+            <a:lnRef idx="2">
+              <a:schemeClr val="accent1">
+                <a:shade val="50000"/>
+              </a:schemeClr>
+            </a:lnRef>
+            <a:fillRef idx="1">
+              <a:schemeClr val="accent1"/>
+            </a:fillRef>
+            <a:effectRef idx="0">
+              <a:schemeClr val="accent1"/>
+            </a:effectRef>
+            <a:fontRef idx="minor">
+              <a:schemeClr val="lt1"/>
+            </a:fontRef>
+          </p:style>
+          <p:txBody>
+            <a:bodyPr rtlCol="0" anchor="ctr"/>
+            <a:lstStyle/>
+            <a:p>
+              <a:pPr algn="ctr"/>
+              <a:endParaRPr lang="en-US"/>
+            </a:p>
+          </p:txBody>
+        </p:sp>
+        <p:sp>
+          <p:nvSpPr>
+            <p:cNvPr id="33" name="Oval 32"/>
+            <p:cNvSpPr/>
+            <p:nvPr/>
+          </p:nvSpPr>
+          <p:spPr>
+            <a:xfrm>
+              <a:off x="833367" y="4998522"/>
+              <a:ext cx="183777" cy="183777"/>
+            </a:xfrm>
+            <a:prstGeom prst="ellipse">
+              <a:avLst/>
+            </a:prstGeom>
+            <a:solidFill>
+              <a:schemeClr val="bg1"/>
+            </a:solidFill>
+            <a:ln>
+              <a:solidFill>
+                <a:schemeClr val="bg1"/>
+              </a:solidFill>
+            </a:ln>
+          </p:spPr>
+          <p:style>
+            <a:lnRef idx="2">
+              <a:schemeClr val="accent1">
+                <a:shade val="50000"/>
+              </a:schemeClr>
+            </a:lnRef>
+            <a:fillRef idx="1">
+              <a:schemeClr val="accent1"/>
+            </a:fillRef>
+            <a:effectRef idx="0">
+              <a:schemeClr val="accent1"/>
+            </a:effectRef>
+            <a:fontRef idx="minor">
+              <a:schemeClr val="lt1"/>
+            </a:fontRef>
+          </p:style>
+          <p:txBody>
+            <a:bodyPr rtlCol="0" anchor="ctr"/>
+            <a:lstStyle/>
+            <a:p>
+              <a:pPr algn="ctr"/>
+              <a:endParaRPr lang="en-US"/>
+            </a:p>
+          </p:txBody>
+        </p:sp>
+        <p:sp>
+          <p:nvSpPr>
+            <p:cNvPr id="34" name="Oval 33"/>
+            <p:cNvSpPr/>
+            <p:nvPr/>
+          </p:nvSpPr>
+          <p:spPr>
+            <a:xfrm>
+              <a:off x="883980" y="5046544"/>
+              <a:ext cx="82549" cy="82549"/>
+            </a:xfrm>
+            <a:prstGeom prst="ellipse">
+              <a:avLst/>
+            </a:prstGeom>
+            <a:solidFill>
+              <a:srgbClr val="FF0000"/>
+            </a:solidFill>
+            <a:ln>
+              <a:solidFill>
+                <a:srgbClr val="FF0000"/>
+              </a:solidFill>
+            </a:ln>
+          </p:spPr>
+          <p:style>
+            <a:lnRef idx="2">
+              <a:schemeClr val="accent1">
+                <a:shade val="50000"/>
+              </a:schemeClr>
+            </a:lnRef>
+            <a:fillRef idx="1">
+              <a:schemeClr val="accent1"/>
+            </a:fillRef>
+            <a:effectRef idx="0">
+              <a:schemeClr val="accent1"/>
+            </a:effectRef>
+            <a:fontRef idx="minor">
+              <a:schemeClr val="lt1"/>
+            </a:fontRef>
+          </p:style>
+          <p:txBody>
+            <a:bodyPr rtlCol="0" anchor="ctr"/>
+            <a:lstStyle/>
+            <a:p>
+              <a:pPr algn="ctr"/>
+              <a:endParaRPr lang="en-US"/>
+            </a:p>
+          </p:txBody>
+        </p:sp>
+      </p:grpSp>
+      <p:sp>
+        <p:nvSpPr>
+          <p:cNvPr id="36" name="Oval 35"/>
+          <p:cNvSpPr/>
+          <p:nvPr/>
+        </p:nvSpPr>
+        <p:spPr>
+          <a:xfrm>
+            <a:off x="175806" y="2208028"/>
+            <a:ext cx="286753" cy="286753"/>
+          </a:xfrm>
+          <a:prstGeom prst="ellipse">
+            <a:avLst/>
+          </a:prstGeom>
+          <a:solidFill>
+            <a:srgbClr val="E947A7"/>
+          </a:solidFill>
+          <a:ln>
+            <a:noFill/>
+          </a:ln>
+        </p:spPr>
+        <p:style>
+          <a:lnRef idx="2">
+            <a:schemeClr val="accent1">
+              <a:shade val="50000"/>
+            </a:schemeClr>
+          </a:lnRef>
+          <a:fillRef idx="1">
+            <a:schemeClr val="accent1"/>
+          </a:fillRef>
+          <a:effectRef idx="0">
+            <a:schemeClr val="accent1"/>
+          </a:effectRef>
+          <a:fontRef idx="minor">
+            <a:schemeClr val="lt1"/>
+          </a:fontRef>
+        </p:style>
+        <p:txBody>
+          <a:bodyPr rtlCol="0" anchor="ctr"/>
+          <a:lstStyle/>
+          <a:p>
+            <a:pPr algn="ctr"/>
+            <a:endParaRPr lang="en-US"/>
+          </a:p>
+        </p:txBody>
+      </p:sp>
+      <p:cxnSp>
+        <p:nvCxnSpPr>
+          <p:cNvPr id="39" name="Straight Arrow Connector 38"/>
+          <p:cNvCxnSpPr>
+            <a:stCxn id="60" idx="2"/>
+          </p:cNvCxnSpPr>
+          <p:nvPr/>
+        </p:nvCxnSpPr>
+        <p:spPr>
+          <a:xfrm flipH="1">
+            <a:off x="5078335" y="2565593"/>
+            <a:ext cx="60646" cy="602510"/>
+          </a:xfrm>
+          <a:prstGeom prst="straightConnector1">
+            <a:avLst/>
+          </a:prstGeom>
+          <a:ln w="15875">
+            <a:solidFill>
+              <a:schemeClr val="tx1"/>
+            </a:solidFill>
+            <a:tailEnd type="triangle"/>
+          </a:ln>
+        </p:spPr>
+        <p:style>
+          <a:lnRef idx="1">
+            <a:schemeClr val="accent1"/>
+          </a:lnRef>
+          <a:fillRef idx="0">
+            <a:schemeClr val="accent1"/>
+          </a:fillRef>
+          <a:effectRef idx="0">
+            <a:schemeClr val="accent1"/>
+          </a:effectRef>
+          <a:fontRef idx="minor">
+            <a:schemeClr val="tx1"/>
+          </a:fontRef>
+        </p:style>
+      </p:cxnSp>
+      <p:cxnSp>
+        <p:nvCxnSpPr>
+          <p:cNvPr id="48" name="Straight Arrow Connector 47"/>
+          <p:cNvCxnSpPr>
+            <a:stCxn id="61" idx="2"/>
+          </p:cNvCxnSpPr>
+          <p:nvPr/>
+        </p:nvCxnSpPr>
+        <p:spPr>
+          <a:xfrm>
+            <a:off x="8481215" y="2489796"/>
+            <a:ext cx="5509" cy="673108"/>
+          </a:xfrm>
+          <a:prstGeom prst="straightConnector1">
+            <a:avLst/>
+          </a:prstGeom>
+          <a:ln w="15875">
+            <a:solidFill>
+              <a:schemeClr val="tx1"/>
+            </a:solidFill>
+            <a:tailEnd type="triangle"/>
+          </a:ln>
+        </p:spPr>
+        <p:style>
+          <a:lnRef idx="1">
+            <a:schemeClr val="accent1"/>
+          </a:lnRef>
+          <a:fillRef idx="0">
+            <a:schemeClr val="accent1"/>
+          </a:fillRef>
+          <a:effectRef idx="0">
+            <a:schemeClr val="accent1"/>
+          </a:effectRef>
+          <a:fontRef idx="minor">
+            <a:schemeClr val="tx1"/>
+          </a:fontRef>
+        </p:style>
+      </p:cxnSp>
+      <p:cxnSp>
+        <p:nvCxnSpPr>
+          <p:cNvPr id="53" name="Straight Arrow Connector 52"/>
+          <p:cNvCxnSpPr>
+            <a:stCxn id="62" idx="2"/>
+          </p:cNvCxnSpPr>
+          <p:nvPr/>
+        </p:nvCxnSpPr>
+        <p:spPr>
+          <a:xfrm>
+            <a:off x="11325754" y="2675492"/>
+            <a:ext cx="497607" cy="498832"/>
+          </a:xfrm>
+          <a:prstGeom prst="straightConnector1">
+            <a:avLst/>
+          </a:prstGeom>
+          <a:ln w="15875">
+            <a:solidFill>
+              <a:schemeClr val="tx1"/>
+            </a:solidFill>
+            <a:tailEnd type="triangle"/>
+          </a:ln>
+        </p:spPr>
+        <p:style>
+          <a:lnRef idx="1">
+            <a:schemeClr val="accent1"/>
+          </a:lnRef>
+          <a:fillRef idx="0">
+            <a:schemeClr val="accent1"/>
+          </a:fillRef>
+          <a:effectRef idx="0">
+            <a:schemeClr val="accent1"/>
+          </a:effectRef>
+          <a:fontRef idx="minor">
+            <a:schemeClr val="tx1"/>
+          </a:fontRef>
+        </p:style>
+      </p:cxnSp>
+      <p:sp>
+        <p:nvSpPr>
+          <p:cNvPr id="60" name="TextBox 59"/>
+          <p:cNvSpPr txBox="1"/>
+          <p:nvPr/>
+        </p:nvSpPr>
+        <p:spPr>
+          <a:xfrm>
+            <a:off x="4467483" y="2288594"/>
+            <a:ext cx="1342996" cy="276999"/>
+          </a:xfrm>
+          <a:prstGeom prst="rect">
+            <a:avLst/>
+          </a:prstGeom>
+          <a:noFill/>
+          <a:ln>
+            <a:solidFill>
+              <a:schemeClr val="tx1"/>
+            </a:solidFill>
+          </a:ln>
+        </p:spPr>
+        <p:txBody>
+          <a:bodyPr wrap="square" rtlCol="0">
+            <a:spAutoFit/>
+          </a:bodyPr>
+          <a:lstStyle/>
+          <a:p>
+            <a:pPr algn="ctr"/>
+            <a:r>
+              <a:rPr lang="en-US" sz="1200" dirty="0" smtClean="0"/>
+              <a:t>given speed * 0.75 </a:t>
+            </a:r>
+            <a:endParaRPr lang="en-US" sz="1200" dirty="0"/>
+          </a:p>
+        </p:txBody>
+      </p:sp>
+      <p:sp>
+        <p:nvSpPr>
+          <p:cNvPr id="61" name="TextBox 60"/>
+          <p:cNvSpPr txBox="1"/>
+          <p:nvPr/>
+        </p:nvSpPr>
+        <p:spPr>
+          <a:xfrm>
+            <a:off x="7809717" y="2212797"/>
+            <a:ext cx="1342996" cy="276999"/>
+          </a:xfrm>
+          <a:prstGeom prst="rect">
+            <a:avLst/>
+          </a:prstGeom>
+          <a:noFill/>
+          <a:ln>
+            <a:solidFill>
+              <a:schemeClr val="tx1"/>
+            </a:solidFill>
+          </a:ln>
+        </p:spPr>
+        <p:txBody>
+          <a:bodyPr wrap="square" rtlCol="0">
+            <a:spAutoFit/>
+          </a:bodyPr>
+          <a:lstStyle/>
+          <a:p>
+            <a:pPr algn="ctr"/>
+            <a:r>
+              <a:rPr lang="en-US" sz="1200" dirty="0" smtClean="0"/>
+              <a:t>given speed * 0.85 </a:t>
+            </a:r>
+            <a:endParaRPr lang="en-US" sz="1200" dirty="0"/>
+          </a:p>
+        </p:txBody>
+      </p:sp>
+      <p:sp>
+        <p:nvSpPr>
+          <p:cNvPr id="62" name="TextBox 61"/>
+          <p:cNvSpPr txBox="1"/>
+          <p:nvPr/>
+        </p:nvSpPr>
+        <p:spPr>
+          <a:xfrm>
+            <a:off x="10854243" y="2398493"/>
+            <a:ext cx="943022" cy="276999"/>
+          </a:xfrm>
+          <a:prstGeom prst="rect">
+            <a:avLst/>
+          </a:prstGeom>
+          <a:noFill/>
+          <a:ln>
+            <a:solidFill>
+              <a:schemeClr val="tx1"/>
+            </a:solidFill>
+          </a:ln>
+        </p:spPr>
+        <p:txBody>
+          <a:bodyPr wrap="square" rtlCol="0">
+            <a:spAutoFit/>
+          </a:bodyPr>
+          <a:lstStyle/>
+          <a:p>
+            <a:pPr algn="ctr"/>
+            <a:r>
+              <a:rPr lang="en-US" sz="1200" dirty="0" smtClean="0"/>
+              <a:t>given speed</a:t>
+            </a:r>
+            <a:endParaRPr lang="en-US" sz="1200" dirty="0"/>
+          </a:p>
+        </p:txBody>
+      </p:sp>
+      <p:grpSp>
+        <p:nvGrpSpPr>
+          <p:cNvPr id="83" name="Group 82"/>
+          <p:cNvGrpSpPr/>
+          <p:nvPr/>
+        </p:nvGrpSpPr>
+        <p:grpSpPr>
+          <a:xfrm>
+            <a:off x="745377" y="4301256"/>
+            <a:ext cx="4332958" cy="204249"/>
+            <a:chOff x="745377" y="4246656"/>
+            <a:chExt cx="4254922" cy="228600"/>
+          </a:xfrm>
+        </p:grpSpPr>
+        <p:cxnSp>
+          <p:nvCxnSpPr>
+            <p:cNvPr id="77" name="Straight Connector 76"/>
+            <p:cNvCxnSpPr/>
+            <p:nvPr/>
+          </p:nvCxnSpPr>
+          <p:spPr>
+            <a:xfrm>
+              <a:off x="745377" y="4360956"/>
+              <a:ext cx="4250409" cy="0"/>
+            </a:xfrm>
+            <a:prstGeom prst="line">
+              <a:avLst/>
+            </a:prstGeom>
+            <a:ln w="38100">
+              <a:solidFill>
+                <a:schemeClr val="tx1"/>
+              </a:solidFill>
+            </a:ln>
+          </p:spPr>
+          <p:style>
+            <a:lnRef idx="1">
+              <a:schemeClr val="accent1"/>
+            </a:lnRef>
+            <a:fillRef idx="0">
+              <a:schemeClr val="accent1"/>
+            </a:fillRef>
+            <a:effectRef idx="0">
+              <a:schemeClr val="accent1"/>
+            </a:effectRef>
+            <a:fontRef idx="minor">
+              <a:schemeClr val="tx1"/>
+            </a:fontRef>
+          </p:style>
+        </p:cxnSp>
+        <p:cxnSp>
+          <p:nvCxnSpPr>
+            <p:cNvPr id="79" name="Straight Connector 78"/>
+            <p:cNvCxnSpPr/>
+            <p:nvPr/>
+          </p:nvCxnSpPr>
+          <p:spPr>
+            <a:xfrm>
+              <a:off x="5000299" y="4246656"/>
+              <a:ext cx="0" cy="228600"/>
+            </a:xfrm>
+            <a:prstGeom prst="line">
+              <a:avLst/>
+            </a:prstGeom>
+            <a:ln w="38100">
+              <a:solidFill>
+                <a:schemeClr val="tx1"/>
+              </a:solidFill>
+            </a:ln>
+          </p:spPr>
+          <p:style>
+            <a:lnRef idx="1">
+              <a:schemeClr val="accent1"/>
+            </a:lnRef>
+            <a:fillRef idx="0">
+              <a:schemeClr val="accent1"/>
+            </a:fillRef>
+            <a:effectRef idx="0">
+              <a:schemeClr val="accent1"/>
+            </a:effectRef>
+            <a:fontRef idx="minor">
+              <a:schemeClr val="tx1"/>
+            </a:fontRef>
+          </p:style>
+        </p:cxnSp>
+        <p:cxnSp>
+          <p:nvCxnSpPr>
+            <p:cNvPr id="82" name="Straight Connector 81"/>
+            <p:cNvCxnSpPr/>
+            <p:nvPr/>
+          </p:nvCxnSpPr>
+          <p:spPr>
+            <a:xfrm>
+              <a:off x="745377" y="4246656"/>
+              <a:ext cx="0" cy="228600"/>
+            </a:xfrm>
+            <a:prstGeom prst="line">
+              <a:avLst/>
+            </a:prstGeom>
+            <a:ln w="38100">
+              <a:solidFill>
+                <a:schemeClr val="tx1"/>
+              </a:solidFill>
+            </a:ln>
+          </p:spPr>
+          <p:style>
+            <a:lnRef idx="1">
+              <a:schemeClr val="accent1"/>
+            </a:lnRef>
+            <a:fillRef idx="0">
+              <a:schemeClr val="accent1"/>
+            </a:fillRef>
+            <a:effectRef idx="0">
+              <a:schemeClr val="accent1"/>
+            </a:effectRef>
+            <a:fontRef idx="minor">
+              <a:schemeClr val="tx1"/>
+            </a:fontRef>
+          </p:style>
+        </p:cxnSp>
+      </p:grpSp>
+      <p:grpSp>
+        <p:nvGrpSpPr>
+          <p:cNvPr id="84" name="Group 83"/>
+          <p:cNvGrpSpPr/>
+          <p:nvPr/>
+        </p:nvGrpSpPr>
+        <p:grpSpPr>
+          <a:xfrm>
+            <a:off x="5062496" y="3345502"/>
+            <a:ext cx="3418719" cy="204249"/>
+            <a:chOff x="745377" y="4246656"/>
+            <a:chExt cx="4254922" cy="228600"/>
+          </a:xfrm>
+        </p:grpSpPr>
+        <p:cxnSp>
+          <p:nvCxnSpPr>
+            <p:cNvPr id="85" name="Straight Connector 84"/>
+            <p:cNvCxnSpPr/>
+            <p:nvPr/>
+          </p:nvCxnSpPr>
+          <p:spPr>
+            <a:xfrm>
+              <a:off x="745377" y="4360956"/>
+              <a:ext cx="4250409" cy="0"/>
+            </a:xfrm>
+            <a:prstGeom prst="line">
+              <a:avLst/>
+            </a:prstGeom>
+            <a:ln w="38100">
+              <a:solidFill>
+                <a:schemeClr val="tx1"/>
+              </a:solidFill>
+            </a:ln>
+          </p:spPr>
+          <p:style>
+            <a:lnRef idx="1">
+              <a:schemeClr val="accent1"/>
+            </a:lnRef>
+            <a:fillRef idx="0">
+              <a:schemeClr val="accent1"/>
+            </a:fillRef>
+            <a:effectRef idx="0">
+              <a:schemeClr val="accent1"/>
+            </a:effectRef>
+            <a:fontRef idx="minor">
+              <a:schemeClr val="tx1"/>
+            </a:fontRef>
+          </p:style>
+        </p:cxnSp>
+        <p:cxnSp>
+          <p:nvCxnSpPr>
+            <p:cNvPr id="86" name="Straight Connector 85"/>
+            <p:cNvCxnSpPr/>
+            <p:nvPr/>
+          </p:nvCxnSpPr>
+          <p:spPr>
+            <a:xfrm>
+              <a:off x="5000299" y="4246656"/>
+              <a:ext cx="0" cy="228600"/>
+            </a:xfrm>
+            <a:prstGeom prst="line">
+              <a:avLst/>
+            </a:prstGeom>
+            <a:ln w="38100">
+              <a:solidFill>
+                <a:schemeClr val="tx1"/>
+              </a:solidFill>
+            </a:ln>
+          </p:spPr>
+          <p:style>
+            <a:lnRef idx="1">
+              <a:schemeClr val="accent1"/>
+            </a:lnRef>
+            <a:fillRef idx="0">
+              <a:schemeClr val="accent1"/>
+            </a:fillRef>
+            <a:effectRef idx="0">
+              <a:schemeClr val="accent1"/>
+            </a:effectRef>
+            <a:fontRef idx="minor">
+              <a:schemeClr val="tx1"/>
+            </a:fontRef>
+          </p:style>
+        </p:cxnSp>
+        <p:cxnSp>
+          <p:nvCxnSpPr>
+            <p:cNvPr id="87" name="Straight Connector 86"/>
+            <p:cNvCxnSpPr/>
+            <p:nvPr/>
+          </p:nvCxnSpPr>
+          <p:spPr>
+            <a:xfrm>
+              <a:off x="745377" y="4246656"/>
+              <a:ext cx="0" cy="228600"/>
+            </a:xfrm>
+            <a:prstGeom prst="line">
+              <a:avLst/>
+            </a:prstGeom>
+            <a:ln w="38100">
+              <a:solidFill>
+                <a:schemeClr val="tx1"/>
+              </a:solidFill>
+            </a:ln>
+          </p:spPr>
+          <p:style>
+            <a:lnRef idx="1">
+              <a:schemeClr val="accent1"/>
+            </a:lnRef>
+            <a:fillRef idx="0">
+              <a:schemeClr val="accent1"/>
+            </a:fillRef>
+            <a:effectRef idx="0">
+              <a:schemeClr val="accent1"/>
+            </a:effectRef>
+            <a:fontRef idx="minor">
+              <a:schemeClr val="tx1"/>
+            </a:fontRef>
+          </p:style>
+        </p:cxnSp>
+      </p:grpSp>
+      <p:grpSp>
+        <p:nvGrpSpPr>
+          <p:cNvPr id="88" name="Group 87"/>
+          <p:cNvGrpSpPr/>
+          <p:nvPr/>
+        </p:nvGrpSpPr>
+        <p:grpSpPr>
+          <a:xfrm>
+            <a:off x="8483970" y="3344554"/>
+            <a:ext cx="3339392" cy="204249"/>
+            <a:chOff x="745377" y="4246656"/>
+            <a:chExt cx="4254922" cy="228600"/>
+          </a:xfrm>
+        </p:grpSpPr>
+        <p:cxnSp>
+          <p:nvCxnSpPr>
+            <p:cNvPr id="89" name="Straight Connector 88"/>
+            <p:cNvCxnSpPr/>
+            <p:nvPr/>
+          </p:nvCxnSpPr>
+          <p:spPr>
+            <a:xfrm>
+              <a:off x="745377" y="4360956"/>
+              <a:ext cx="4250409" cy="0"/>
+            </a:xfrm>
+            <a:prstGeom prst="line">
+              <a:avLst/>
+            </a:prstGeom>
+            <a:ln w="38100">
+              <a:solidFill>
+                <a:schemeClr val="tx1"/>
+              </a:solidFill>
+            </a:ln>
+          </p:spPr>
+          <p:style>
+            <a:lnRef idx="1">
+              <a:schemeClr val="accent1"/>
+            </a:lnRef>
+            <a:fillRef idx="0">
+              <a:schemeClr val="accent1"/>
+            </a:fillRef>
+            <a:effectRef idx="0">
+              <a:schemeClr val="accent1"/>
+            </a:effectRef>
+            <a:fontRef idx="minor">
+              <a:schemeClr val="tx1"/>
+            </a:fontRef>
+          </p:style>
+        </p:cxnSp>
+        <p:cxnSp>
+          <p:nvCxnSpPr>
+            <p:cNvPr id="90" name="Straight Connector 89"/>
+            <p:cNvCxnSpPr/>
+            <p:nvPr/>
+          </p:nvCxnSpPr>
+          <p:spPr>
+            <a:xfrm>
+              <a:off x="5000299" y="4246656"/>
+              <a:ext cx="0" cy="228600"/>
+            </a:xfrm>
+            <a:prstGeom prst="line">
+              <a:avLst/>
+            </a:prstGeom>
+            <a:ln w="38100">
+              <a:solidFill>
+                <a:schemeClr val="tx1"/>
+              </a:solidFill>
+            </a:ln>
+          </p:spPr>
+          <p:style>
+            <a:lnRef idx="1">
+              <a:schemeClr val="accent1"/>
+            </a:lnRef>
+            <a:fillRef idx="0">
+              <a:schemeClr val="accent1"/>
+            </a:fillRef>
+            <a:effectRef idx="0">
+              <a:schemeClr val="accent1"/>
+            </a:effectRef>
+            <a:fontRef idx="minor">
+              <a:schemeClr val="tx1"/>
+            </a:fontRef>
+          </p:style>
+        </p:cxnSp>
+        <p:cxnSp>
+          <p:nvCxnSpPr>
+            <p:cNvPr id="91" name="Straight Connector 90"/>
+            <p:cNvCxnSpPr/>
+            <p:nvPr/>
+          </p:nvCxnSpPr>
+          <p:spPr>
+            <a:xfrm>
+              <a:off x="745377" y="4246656"/>
+              <a:ext cx="0" cy="228600"/>
+            </a:xfrm>
+            <a:prstGeom prst="line">
+              <a:avLst/>
+            </a:prstGeom>
+            <a:ln w="38100">
+              <a:solidFill>
+                <a:schemeClr val="tx1"/>
+              </a:solidFill>
+            </a:ln>
+          </p:spPr>
+          <p:style>
+            <a:lnRef idx="1">
+              <a:schemeClr val="accent1"/>
+            </a:lnRef>
+            <a:fillRef idx="0">
+              <a:schemeClr val="accent1"/>
+            </a:fillRef>
+            <a:effectRef idx="0">
+              <a:schemeClr val="accent1"/>
+            </a:effectRef>
+            <a:fontRef idx="minor">
+              <a:schemeClr val="tx1"/>
+            </a:fontRef>
+          </p:style>
+        </p:cxnSp>
+      </p:grpSp>
+      <p:sp>
+        <p:nvSpPr>
+          <p:cNvPr id="92" name="TextBox 91"/>
+          <p:cNvSpPr txBox="1"/>
+          <p:nvPr/>
+        </p:nvSpPr>
+        <p:spPr>
+          <a:xfrm>
+            <a:off x="2369598" y="4026476"/>
+            <a:ext cx="1099316" cy="276999"/>
+          </a:xfrm>
+          <a:prstGeom prst="rect">
+            <a:avLst/>
+          </a:prstGeom>
+          <a:noFill/>
+          <a:ln>
+            <a:solidFill>
+              <a:schemeClr val="tx1"/>
+            </a:solidFill>
+          </a:ln>
+        </p:spPr>
+        <p:txBody>
+          <a:bodyPr wrap="square" rtlCol="0">
+            <a:spAutoFit/>
+          </a:bodyPr>
+          <a:lstStyle/>
+          <a:p>
+            <a:pPr algn="ctr"/>
+            <a:r>
+              <a:rPr lang="en-US" sz="1200" dirty="0" smtClean="0"/>
+              <a:t>given distance</a:t>
+            </a:r>
+            <a:endParaRPr lang="en-US" sz="1200" dirty="0"/>
+          </a:p>
+        </p:txBody>
+      </p:sp>
+      <p:sp>
+        <p:nvSpPr>
+          <p:cNvPr id="93" name="TextBox 92"/>
+          <p:cNvSpPr txBox="1"/>
+          <p:nvPr/>
+        </p:nvSpPr>
+        <p:spPr>
+          <a:xfrm>
+            <a:off x="6074842" y="3525824"/>
+            <a:ext cx="1390402" cy="276999"/>
+          </a:xfrm>
+          <a:prstGeom prst="rect">
+            <a:avLst/>
+          </a:prstGeom>
+          <a:noFill/>
+          <a:ln>
+            <a:solidFill>
+              <a:schemeClr val="tx1"/>
+            </a:solidFill>
+          </a:ln>
+        </p:spPr>
+        <p:txBody>
+          <a:bodyPr wrap="square" rtlCol="0">
+            <a:spAutoFit/>
+          </a:bodyPr>
+          <a:lstStyle/>
+          <a:p>
+            <a:pPr algn="ctr"/>
+            <a:r>
+              <a:rPr lang="en-US" sz="1200" dirty="0" smtClean="0"/>
+              <a:t>remaining trial / 10</a:t>
+            </a:r>
+            <a:endParaRPr lang="en-US" sz="1200" dirty="0"/>
+          </a:p>
+        </p:txBody>
+      </p:sp>
+      <p:sp>
+        <p:nvSpPr>
+          <p:cNvPr id="94" name="TextBox 93"/>
+          <p:cNvSpPr txBox="1"/>
+          <p:nvPr/>
+        </p:nvSpPr>
+        <p:spPr>
+          <a:xfrm>
+            <a:off x="9453939" y="3525823"/>
+            <a:ext cx="1390402" cy="276999"/>
+          </a:xfrm>
+          <a:prstGeom prst="rect">
+            <a:avLst/>
+          </a:prstGeom>
+          <a:noFill/>
+          <a:ln>
+            <a:solidFill>
+              <a:schemeClr val="tx1"/>
+            </a:solidFill>
+          </a:ln>
+        </p:spPr>
+        <p:txBody>
+          <a:bodyPr wrap="square" rtlCol="0">
+            <a:spAutoFit/>
+          </a:bodyPr>
+          <a:lstStyle/>
+          <a:p>
+            <a:pPr algn="ctr"/>
+            <a:r>
+              <a:rPr lang="en-US" sz="1200" dirty="0" smtClean="0"/>
+              <a:t>remaining trial / 10</a:t>
+            </a:r>
+            <a:endParaRPr lang="en-US" sz="1200" dirty="0"/>
+          </a:p>
+        </p:txBody>
+      </p:sp>
+    </p:spTree>
+    <p:extLst>
+      <p:ext uri="{BB962C8B-B14F-4D97-AF65-F5344CB8AC3E}">
+        <p14:creationId xmlns:p14="http://schemas.microsoft.com/office/powerpoint/2010/main" val="1930624839"/>
+      </p:ext>
+    </p:extLst>
+  </p:cSld>
+  <p:clrMapOvr>
+    <a:masterClrMapping/>
+  </p:clrMapOvr>
+</p:sld>
+</file>
+
+<file path=ppt/slides/slide7.xml><?xml version="1.0" encoding="utf-8"?>
+<p:sld xmlns:a="http://schemas.openxmlformats.org/drawingml/2006/main" xmlns:r="http://schemas.openxmlformats.org/officeDocument/2006/relationships" xmlns:p="http://schemas.openxmlformats.org/presentationml/2006/main">
+  <p:cSld>
+    <p:spTree>
+      <p:nvGrpSpPr>
+        <p:cNvPr id="1" name=""/>
+        <p:cNvGrpSpPr/>
+        <p:nvPr/>
+      </p:nvGrpSpPr>
+      <p:grpSpPr>
+        <a:xfrm>
+          <a:off x="0" y="0"/>
+          <a:ext cx="0" cy="0"/>
+          <a:chOff x="0" y="0"/>
+          <a:chExt cx="0" cy="0"/>
+        </a:xfrm>
+      </p:grpSpPr>
+      <p:sp>
+        <p:nvSpPr>
+          <p:cNvPr id="2" name="Rectangle 1"/>
+          <p:cNvSpPr/>
+          <p:nvPr/>
+        </p:nvSpPr>
+        <p:spPr>
+          <a:xfrm>
+            <a:off x="2215030" y="1506072"/>
+            <a:ext cx="5940611" cy="3341594"/>
+          </a:xfrm>
+          <a:prstGeom prst="rect">
+            <a:avLst/>
+          </a:prstGeom>
+          <a:solidFill>
+            <a:schemeClr val="bg1">
+              <a:lumMod val="65000"/>
+            </a:schemeClr>
+          </a:solidFill>
+          <a:ln>
+            <a:solidFill>
+              <a:schemeClr val="bg1">
+                <a:lumMod val="65000"/>
+              </a:schemeClr>
+            </a:solidFill>
+          </a:ln>
+        </p:spPr>
+        <p:style>
+          <a:lnRef idx="2">
+            <a:schemeClr val="accent1">
+              <a:shade val="50000"/>
+            </a:schemeClr>
+          </a:lnRef>
+          <a:fillRef idx="1">
+            <a:schemeClr val="accent1"/>
+          </a:fillRef>
+          <a:effectRef idx="0">
+            <a:schemeClr val="accent1"/>
+          </a:effectRef>
+          <a:fontRef idx="minor">
+            <a:schemeClr val="lt1"/>
+          </a:fontRef>
+        </p:style>
+        <p:txBody>
+          <a:bodyPr rtlCol="0" anchor="ctr"/>
+          <a:lstStyle/>
+          <a:p>
+            <a:pPr algn="ctr"/>
+            <a:endParaRPr lang="en-US"/>
+          </a:p>
+        </p:txBody>
+      </p:sp>
+      <p:cxnSp>
+        <p:nvCxnSpPr>
+          <p:cNvPr id="3" name="Straight Connector 2"/>
+          <p:cNvCxnSpPr/>
+          <p:nvPr/>
+        </p:nvCxnSpPr>
+        <p:spPr>
+          <a:xfrm>
+            <a:off x="2215030" y="1890460"/>
+            <a:ext cx="5940611" cy="0"/>
+          </a:xfrm>
+          <a:prstGeom prst="line">
+            <a:avLst/>
+          </a:prstGeom>
+          <a:ln w="53975">
+            <a:solidFill>
+              <a:srgbClr val="F3BF3D"/>
+            </a:solidFill>
+          </a:ln>
+        </p:spPr>
+        <p:style>
+          <a:lnRef idx="1">
+            <a:schemeClr val="accent1"/>
+          </a:lnRef>
+          <a:fillRef idx="0">
+            <a:schemeClr val="accent1"/>
+          </a:fillRef>
+          <a:effectRef idx="0">
+            <a:schemeClr val="accent1"/>
+          </a:effectRef>
+          <a:fontRef idx="minor">
+            <a:schemeClr val="tx1"/>
+          </a:fontRef>
+        </p:style>
+      </p:cxnSp>
+      <p:cxnSp>
+        <p:nvCxnSpPr>
+          <p:cNvPr id="4" name="Straight Connector 3"/>
+          <p:cNvCxnSpPr/>
+          <p:nvPr/>
+        </p:nvCxnSpPr>
+        <p:spPr>
+          <a:xfrm>
+            <a:off x="2215030" y="3801096"/>
+            <a:ext cx="7748428" cy="0"/>
+          </a:xfrm>
+          <a:prstGeom prst="line">
+            <a:avLst/>
+          </a:prstGeom>
+          <a:ln w="53975">
+            <a:solidFill>
+              <a:schemeClr val="bg1"/>
+            </a:solidFill>
+          </a:ln>
+        </p:spPr>
+        <p:style>
+          <a:lnRef idx="1">
+            <a:schemeClr val="accent1"/>
+          </a:lnRef>
+          <a:fillRef idx="0">
+            <a:schemeClr val="accent1"/>
+          </a:fillRef>
+          <a:effectRef idx="0">
+            <a:schemeClr val="accent1"/>
+          </a:effectRef>
+          <a:fontRef idx="minor">
+            <a:schemeClr val="tx1"/>
+          </a:fontRef>
+        </p:style>
+      </p:cxnSp>
+      <p:cxnSp>
+        <p:nvCxnSpPr>
+          <p:cNvPr id="5" name="Straight Connector 4"/>
+          <p:cNvCxnSpPr/>
+          <p:nvPr/>
+        </p:nvCxnSpPr>
+        <p:spPr>
+          <a:xfrm flipV="1">
+            <a:off x="2215030" y="2844053"/>
+            <a:ext cx="5940611" cy="12225"/>
+          </a:xfrm>
+          <a:prstGeom prst="line">
+            <a:avLst/>
+          </a:prstGeom>
+          <a:ln w="53975">
+            <a:solidFill>
+              <a:schemeClr val="bg1"/>
+            </a:solidFill>
+            <a:prstDash val="dash"/>
+          </a:ln>
+        </p:spPr>
+        <p:style>
+          <a:lnRef idx="1">
+            <a:schemeClr val="accent1"/>
+          </a:lnRef>
+          <a:fillRef idx="0">
+            <a:schemeClr val="accent1"/>
+          </a:fillRef>
+          <a:effectRef idx="0">
+            <a:schemeClr val="accent1"/>
+          </a:effectRef>
+          <a:fontRef idx="minor">
+            <a:schemeClr val="tx1"/>
+          </a:fontRef>
+        </p:style>
+      </p:cxnSp>
+      <p:pic>
+        <p:nvPicPr>
+          <p:cNvPr id="13" name="Picture 12"/>
+          <p:cNvPicPr>
+            <a:picLocks noChangeAspect="1"/>
+          </p:cNvPicPr>
+          <p:nvPr/>
+        </p:nvPicPr>
+        <p:blipFill>
+          <a:blip r:embed="rId2" cstate="print">
+            <a:extLst>
+              <a:ext uri="{28A0092B-C50C-407E-A947-70E740481C1C}">
+                <a14:useLocalDpi xmlns:a14="http://schemas.microsoft.com/office/drawing/2010/main" val="0"/>
+              </a:ext>
+            </a:extLst>
+          </a:blip>
+          <a:stretch>
+            <a:fillRect/>
+          </a:stretch>
+        </p:blipFill>
+        <p:spPr>
+          <a:xfrm rot="10800000">
+            <a:off x="2393042" y="3856691"/>
+            <a:ext cx="1264781" cy="679077"/>
+          </a:xfrm>
+          <a:prstGeom prst="rect">
+            <a:avLst/>
+          </a:prstGeom>
+        </p:spPr>
+      </p:pic>
+      <p:sp>
+        <p:nvSpPr>
+          <p:cNvPr id="14" name="Oval 13"/>
+          <p:cNvSpPr/>
+          <p:nvPr/>
+        </p:nvSpPr>
+        <p:spPr>
+          <a:xfrm>
+            <a:off x="2830606" y="3213847"/>
+            <a:ext cx="277206" cy="277206"/>
+          </a:xfrm>
+          <a:prstGeom prst="ellipse">
+            <a:avLst/>
+          </a:prstGeom>
+          <a:solidFill>
+            <a:srgbClr val="FF0000"/>
+          </a:solidFill>
+          <a:ln>
+            <a:solidFill>
+              <a:srgbClr val="FF0000"/>
+            </a:solidFill>
+          </a:ln>
+        </p:spPr>
+        <p:style>
+          <a:lnRef idx="2">
+            <a:schemeClr val="accent1">
+              <a:shade val="50000"/>
+            </a:schemeClr>
+          </a:lnRef>
+          <a:fillRef idx="1">
+            <a:schemeClr val="accent1"/>
+          </a:fillRef>
+          <a:effectRef idx="0">
+            <a:schemeClr val="accent1"/>
+          </a:effectRef>
+          <a:fontRef idx="minor">
+            <a:schemeClr val="lt1"/>
+          </a:fontRef>
+        </p:style>
+        <p:txBody>
+          <a:bodyPr rtlCol="0" anchor="ctr"/>
+          <a:lstStyle/>
+          <a:p>
+            <a:pPr algn="ctr"/>
+            <a:endParaRPr lang="en-US"/>
+          </a:p>
+        </p:txBody>
+      </p:sp>
+      <p:sp>
+        <p:nvSpPr>
+          <p:cNvPr id="15" name="Oval 14"/>
+          <p:cNvSpPr/>
+          <p:nvPr/>
+        </p:nvSpPr>
+        <p:spPr>
+          <a:xfrm>
+            <a:off x="2873188" y="3263153"/>
+            <a:ext cx="183777" cy="183777"/>
+          </a:xfrm>
+          <a:prstGeom prst="ellipse">
+            <a:avLst/>
+          </a:prstGeom>
+          <a:solidFill>
+            <a:schemeClr val="bg1"/>
+          </a:solidFill>
+          <a:ln>
+            <a:solidFill>
+              <a:schemeClr val="bg1"/>
+            </a:solidFill>
+          </a:ln>
+        </p:spPr>
+        <p:style>
+          <a:lnRef idx="2">
+            <a:schemeClr val="accent1">
+              <a:shade val="50000"/>
+            </a:schemeClr>
+          </a:lnRef>
+          <a:fillRef idx="1">
+            <a:schemeClr val="accent1"/>
+          </a:fillRef>
+          <a:effectRef idx="0">
+            <a:schemeClr val="accent1"/>
+          </a:effectRef>
+          <a:fontRef idx="minor">
+            <a:schemeClr val="lt1"/>
+          </a:fontRef>
+        </p:style>
+        <p:txBody>
+          <a:bodyPr rtlCol="0" anchor="ctr"/>
+          <a:lstStyle/>
+          <a:p>
+            <a:pPr algn="ctr"/>
+            <a:endParaRPr lang="en-US"/>
+          </a:p>
+        </p:txBody>
+      </p:sp>
+      <p:sp>
+        <p:nvSpPr>
+          <p:cNvPr id="16" name="Oval 15"/>
+          <p:cNvSpPr/>
+          <p:nvPr/>
+        </p:nvSpPr>
+        <p:spPr>
+          <a:xfrm>
+            <a:off x="2923801" y="3311175"/>
+            <a:ext cx="82549" cy="82549"/>
+          </a:xfrm>
+          <a:prstGeom prst="ellipse">
+            <a:avLst/>
+          </a:prstGeom>
+          <a:solidFill>
+            <a:srgbClr val="FF0000"/>
+          </a:solidFill>
+          <a:ln>
+            <a:solidFill>
+              <a:srgbClr val="FF0000"/>
+            </a:solidFill>
+          </a:ln>
+        </p:spPr>
+        <p:style>
+          <a:lnRef idx="2">
+            <a:schemeClr val="accent1">
+              <a:shade val="50000"/>
+            </a:schemeClr>
+          </a:lnRef>
+          <a:fillRef idx="1">
+            <a:schemeClr val="accent1"/>
+          </a:fillRef>
+          <a:effectRef idx="0">
+            <a:schemeClr val="accent1"/>
+          </a:effectRef>
+          <a:fontRef idx="minor">
+            <a:schemeClr val="lt1"/>
+          </a:fontRef>
+        </p:style>
+        <p:txBody>
+          <a:bodyPr rtlCol="0" anchor="ctr"/>
+          <a:lstStyle/>
+          <a:p>
+            <a:pPr algn="ctr"/>
+            <a:endParaRPr lang="en-US"/>
+          </a:p>
+        </p:txBody>
+      </p:sp>
+      <p:sp>
+        <p:nvSpPr>
+          <p:cNvPr id="17" name="Oval 16"/>
+          <p:cNvSpPr/>
+          <p:nvPr/>
+        </p:nvSpPr>
+        <p:spPr>
+          <a:xfrm>
+            <a:off x="7169929" y="3273269"/>
+            <a:ext cx="173661" cy="173661"/>
+          </a:xfrm>
+          <a:prstGeom prst="ellipse">
+            <a:avLst/>
+          </a:prstGeom>
+          <a:solidFill>
+            <a:srgbClr val="FFFF00"/>
+          </a:solidFill>
+          <a:ln>
+            <a:noFill/>
+          </a:ln>
+        </p:spPr>
+        <p:style>
+          <a:lnRef idx="2">
+            <a:schemeClr val="accent1">
+              <a:shade val="50000"/>
+            </a:schemeClr>
+          </a:lnRef>
+          <a:fillRef idx="1">
+            <a:schemeClr val="accent1"/>
+          </a:fillRef>
+          <a:effectRef idx="0">
+            <a:schemeClr val="accent1"/>
+          </a:effectRef>
+          <a:fontRef idx="minor">
+            <a:schemeClr val="lt1"/>
+          </a:fontRef>
+        </p:style>
+        <p:txBody>
+          <a:bodyPr rtlCol="0" anchor="ctr"/>
+          <a:lstStyle/>
+          <a:p>
+            <a:pPr algn="ctr"/>
+            <a:endParaRPr lang="en-US"/>
+          </a:p>
+        </p:txBody>
+      </p:sp>
+      <p:sp>
+        <p:nvSpPr>
+          <p:cNvPr id="18" name="Oval 17"/>
+          <p:cNvSpPr/>
+          <p:nvPr/>
+        </p:nvSpPr>
+        <p:spPr>
+          <a:xfrm>
+            <a:off x="2851771" y="4109398"/>
+            <a:ext cx="173661" cy="173661"/>
+          </a:xfrm>
+          <a:prstGeom prst="ellipse">
+            <a:avLst/>
+          </a:prstGeom>
+          <a:solidFill>
+            <a:srgbClr val="FFFF00"/>
+          </a:solidFill>
+          <a:ln>
+            <a:noFill/>
+          </a:ln>
+        </p:spPr>
+        <p:style>
+          <a:lnRef idx="2">
+            <a:schemeClr val="accent1">
+              <a:shade val="50000"/>
+            </a:schemeClr>
+          </a:lnRef>
+          <a:fillRef idx="1">
+            <a:schemeClr val="accent1"/>
+          </a:fillRef>
+          <a:effectRef idx="0">
+            <a:schemeClr val="accent1"/>
+          </a:effectRef>
+          <a:fontRef idx="minor">
+            <a:schemeClr val="lt1"/>
+          </a:fontRef>
+        </p:style>
+        <p:txBody>
+          <a:bodyPr rtlCol="0" anchor="ctr"/>
+          <a:lstStyle/>
+          <a:p>
+            <a:pPr algn="ctr"/>
+            <a:endParaRPr lang="en-US"/>
+          </a:p>
+        </p:txBody>
+      </p:sp>
+      <p:cxnSp>
+        <p:nvCxnSpPr>
+          <p:cNvPr id="19" name="Straight Connector 18"/>
+          <p:cNvCxnSpPr>
+            <a:stCxn id="18" idx="6"/>
+            <a:endCxn id="17" idx="2"/>
+          </p:cNvCxnSpPr>
+          <p:nvPr/>
+        </p:nvCxnSpPr>
+        <p:spPr>
+          <a:xfrm flipV="1">
+            <a:off x="3025432" y="3360100"/>
+            <a:ext cx="4144497" cy="836129"/>
+          </a:xfrm>
+          <a:prstGeom prst="line">
+            <a:avLst/>
+          </a:prstGeom>
+          <a:ln w="25400">
+            <a:solidFill>
+              <a:schemeClr val="bg1">
+                <a:lumMod val="95000"/>
+              </a:schemeClr>
+            </a:solidFill>
+          </a:ln>
+        </p:spPr>
+        <p:style>
+          <a:lnRef idx="1">
+            <a:schemeClr val="accent4"/>
+          </a:lnRef>
+          <a:fillRef idx="0">
+            <a:schemeClr val="accent4"/>
+          </a:fillRef>
+          <a:effectRef idx="0">
+            <a:schemeClr val="accent4"/>
+          </a:effectRef>
+          <a:fontRef idx="minor">
+            <a:schemeClr val="tx1"/>
+          </a:fontRef>
+        </p:style>
+      </p:cxnSp>
+      <p:sp>
+        <p:nvSpPr>
+          <p:cNvPr id="20" name="Oval 19"/>
+          <p:cNvSpPr/>
+          <p:nvPr/>
+        </p:nvSpPr>
+        <p:spPr>
+          <a:xfrm>
+            <a:off x="4911816" y="3718687"/>
+            <a:ext cx="173661" cy="173661"/>
+          </a:xfrm>
+          <a:prstGeom prst="ellipse">
+            <a:avLst/>
+          </a:prstGeom>
+          <a:solidFill>
+            <a:srgbClr val="E947A7"/>
+          </a:solidFill>
+          <a:ln>
+            <a:noFill/>
+          </a:ln>
+        </p:spPr>
+        <p:style>
+          <a:lnRef idx="2">
+            <a:schemeClr val="accent1">
+              <a:shade val="50000"/>
+            </a:schemeClr>
+          </a:lnRef>
+          <a:fillRef idx="1">
+            <a:schemeClr val="accent1"/>
+          </a:fillRef>
+          <a:effectRef idx="0">
+            <a:schemeClr val="accent1"/>
+          </a:effectRef>
+          <a:fontRef idx="minor">
+            <a:schemeClr val="lt1"/>
+          </a:fontRef>
+        </p:style>
+        <p:txBody>
+          <a:bodyPr rtlCol="0" anchor="ctr"/>
+          <a:lstStyle/>
+          <a:p>
+            <a:pPr algn="ctr"/>
+            <a:endParaRPr lang="en-US"/>
+          </a:p>
+        </p:txBody>
+      </p:sp>
+      <p:sp>
+        <p:nvSpPr>
+          <p:cNvPr id="21" name="TextBox 20"/>
+          <p:cNvSpPr txBox="1"/>
+          <p:nvPr/>
+        </p:nvSpPr>
+        <p:spPr>
+          <a:xfrm>
+            <a:off x="2333065" y="1694271"/>
+            <a:ext cx="2339789" cy="1077218"/>
+          </a:xfrm>
+          <a:prstGeom prst="rect">
+            <a:avLst/>
+          </a:prstGeom>
+          <a:noFill/>
+          <a:ln>
+            <a:solidFill>
+              <a:schemeClr val="tx1"/>
+            </a:solidFill>
+          </a:ln>
+        </p:spPr>
+        <p:txBody>
+          <a:bodyPr wrap="square" rtlCol="0">
+            <a:spAutoFit/>
+          </a:bodyPr>
+          <a:lstStyle/>
+          <a:p>
+            <a:pPr algn="ctr"/>
+            <a:r>
+              <a:rPr lang="en-US" sz="1600" dirty="0" smtClean="0"/>
+              <a:t>Legend</a:t>
+            </a:r>
+          </a:p>
+          <a:p>
+            <a:pPr>
+              <a:lnSpc>
+                <a:spcPct val="150000"/>
+              </a:lnSpc>
+            </a:pPr>
+            <a:r>
+              <a:rPr lang="en-US" sz="1600" dirty="0" smtClean="0"/>
+              <a:t>       Target Location</a:t>
+            </a:r>
+          </a:p>
+          <a:p>
+            <a:pPr>
+              <a:lnSpc>
+                <a:spcPct val="150000"/>
+              </a:lnSpc>
+            </a:pPr>
+            <a:r>
+              <a:rPr lang="en-US" sz="1200" dirty="0" smtClean="0"/>
+              <a:t>         </a:t>
+            </a:r>
+            <a:r>
+              <a:rPr lang="en-US" sz="1600" dirty="0" smtClean="0"/>
+              <a:t>Target Location point</a:t>
+            </a:r>
+            <a:endParaRPr lang="en-US" sz="1200" dirty="0"/>
+          </a:p>
+        </p:txBody>
+      </p:sp>
+      <p:grpSp>
+        <p:nvGrpSpPr>
+          <p:cNvPr id="22" name="Group 21"/>
+          <p:cNvGrpSpPr/>
+          <p:nvPr/>
+        </p:nvGrpSpPr>
+        <p:grpSpPr>
+          <a:xfrm>
+            <a:off x="2363741" y="2055449"/>
+            <a:ext cx="277206" cy="277206"/>
+            <a:chOff x="790785" y="4949216"/>
+            <a:chExt cx="277206" cy="277206"/>
+          </a:xfrm>
+        </p:grpSpPr>
+        <p:sp>
+          <p:nvSpPr>
+            <p:cNvPr id="23" name="Oval 22"/>
+            <p:cNvSpPr/>
+            <p:nvPr/>
+          </p:nvSpPr>
+          <p:spPr>
+            <a:xfrm>
+              <a:off x="790785" y="4949216"/>
+              <a:ext cx="277206" cy="277206"/>
+            </a:xfrm>
+            <a:prstGeom prst="ellipse">
+              <a:avLst/>
+            </a:prstGeom>
+            <a:solidFill>
+              <a:srgbClr val="FF0000"/>
+            </a:solidFill>
+            <a:ln>
+              <a:solidFill>
+                <a:srgbClr val="FF0000"/>
+              </a:solidFill>
+            </a:ln>
+          </p:spPr>
+          <p:style>
+            <a:lnRef idx="2">
+              <a:schemeClr val="accent1">
+                <a:shade val="50000"/>
+              </a:schemeClr>
+            </a:lnRef>
+            <a:fillRef idx="1">
+              <a:schemeClr val="accent1"/>
+            </a:fillRef>
+            <a:effectRef idx="0">
+              <a:schemeClr val="accent1"/>
+            </a:effectRef>
+            <a:fontRef idx="minor">
+              <a:schemeClr val="lt1"/>
+            </a:fontRef>
+          </p:style>
+          <p:txBody>
+            <a:bodyPr rtlCol="0" anchor="ctr"/>
+            <a:lstStyle/>
+            <a:p>
+              <a:pPr algn="ctr"/>
+              <a:endParaRPr lang="en-US"/>
+            </a:p>
+          </p:txBody>
+        </p:sp>
+        <p:sp>
+          <p:nvSpPr>
+            <p:cNvPr id="24" name="Oval 23"/>
+            <p:cNvSpPr/>
+            <p:nvPr/>
+          </p:nvSpPr>
+          <p:spPr>
+            <a:xfrm>
+              <a:off x="833367" y="4998522"/>
+              <a:ext cx="183777" cy="183777"/>
+            </a:xfrm>
+            <a:prstGeom prst="ellipse">
+              <a:avLst/>
+            </a:prstGeom>
+            <a:solidFill>
+              <a:schemeClr val="bg1"/>
+            </a:solidFill>
+            <a:ln>
+              <a:solidFill>
+                <a:schemeClr val="bg1"/>
+              </a:solidFill>
+            </a:ln>
+          </p:spPr>
+          <p:style>
+            <a:lnRef idx="2">
+              <a:schemeClr val="accent1">
+                <a:shade val="50000"/>
+              </a:schemeClr>
+            </a:lnRef>
+            <a:fillRef idx="1">
+              <a:schemeClr val="accent1"/>
+            </a:fillRef>
+            <a:effectRef idx="0">
+              <a:schemeClr val="accent1"/>
+            </a:effectRef>
+            <a:fontRef idx="minor">
+              <a:schemeClr val="lt1"/>
+            </a:fontRef>
+          </p:style>
+          <p:txBody>
+            <a:bodyPr rtlCol="0" anchor="ctr"/>
+            <a:lstStyle/>
+            <a:p>
+              <a:pPr algn="ctr"/>
+              <a:endParaRPr lang="en-US"/>
+            </a:p>
+          </p:txBody>
+        </p:sp>
+        <p:sp>
+          <p:nvSpPr>
+            <p:cNvPr id="25" name="Oval 24"/>
+            <p:cNvSpPr/>
+            <p:nvPr/>
+          </p:nvSpPr>
+          <p:spPr>
+            <a:xfrm>
+              <a:off x="883980" y="5046544"/>
+              <a:ext cx="82549" cy="82549"/>
+            </a:xfrm>
+            <a:prstGeom prst="ellipse">
+              <a:avLst/>
+            </a:prstGeom>
+            <a:solidFill>
+              <a:srgbClr val="FF0000"/>
+            </a:solidFill>
+            <a:ln>
+              <a:solidFill>
+                <a:srgbClr val="FF0000"/>
+              </a:solidFill>
+            </a:ln>
+          </p:spPr>
+          <p:style>
+            <a:lnRef idx="2">
+              <a:schemeClr val="accent1">
+                <a:shade val="50000"/>
+              </a:schemeClr>
+            </a:lnRef>
+            <a:fillRef idx="1">
+              <a:schemeClr val="accent1"/>
+            </a:fillRef>
+            <a:effectRef idx="0">
+              <a:schemeClr val="accent1"/>
+            </a:effectRef>
+            <a:fontRef idx="minor">
+              <a:schemeClr val="lt1"/>
+            </a:fontRef>
+          </p:style>
+          <p:txBody>
+            <a:bodyPr rtlCol="0" anchor="ctr"/>
+            <a:lstStyle/>
+            <a:p>
+              <a:pPr algn="ctr"/>
+              <a:endParaRPr lang="en-US"/>
+            </a:p>
+          </p:txBody>
+        </p:sp>
+      </p:grpSp>
+      <p:sp>
+        <p:nvSpPr>
+          <p:cNvPr id="26" name="Oval 25"/>
+          <p:cNvSpPr/>
+          <p:nvPr/>
+        </p:nvSpPr>
+        <p:spPr>
+          <a:xfrm>
+            <a:off x="2354230" y="2396287"/>
+            <a:ext cx="286753" cy="286753"/>
+          </a:xfrm>
+          <a:prstGeom prst="ellipse">
+            <a:avLst/>
+          </a:prstGeom>
+          <a:solidFill>
+            <a:srgbClr val="E947A7"/>
+          </a:solidFill>
+          <a:ln>
+            <a:noFill/>
+          </a:ln>
+        </p:spPr>
+        <p:style>
+          <a:lnRef idx="2">
+            <a:schemeClr val="accent1">
+              <a:shade val="50000"/>
+            </a:schemeClr>
+          </a:lnRef>
+          <a:fillRef idx="1">
+            <a:schemeClr val="accent1"/>
+          </a:fillRef>
+          <a:effectRef idx="0">
+            <a:schemeClr val="accent1"/>
+          </a:effectRef>
+          <a:fontRef idx="minor">
+            <a:schemeClr val="lt1"/>
+          </a:fontRef>
+        </p:style>
+        <p:txBody>
+          <a:bodyPr rtlCol="0" anchor="ctr"/>
+          <a:lstStyle/>
+          <a:p>
+            <a:pPr algn="ctr"/>
+            <a:endParaRPr lang="en-US"/>
+          </a:p>
+        </p:txBody>
+      </p:sp>
+      <p:grpSp>
+        <p:nvGrpSpPr>
+          <p:cNvPr id="27" name="Group 26"/>
+          <p:cNvGrpSpPr/>
+          <p:nvPr/>
+        </p:nvGrpSpPr>
+        <p:grpSpPr>
+          <a:xfrm>
+            <a:off x="2923801" y="4471009"/>
+            <a:ext cx="4297270" cy="204249"/>
+            <a:chOff x="745377" y="4246656"/>
+            <a:chExt cx="4254922" cy="228600"/>
+          </a:xfrm>
+        </p:grpSpPr>
+        <p:cxnSp>
+          <p:nvCxnSpPr>
+            <p:cNvPr id="28" name="Straight Connector 27"/>
+            <p:cNvCxnSpPr/>
+            <p:nvPr/>
+          </p:nvCxnSpPr>
+          <p:spPr>
+            <a:xfrm>
+              <a:off x="745377" y="4360956"/>
+              <a:ext cx="4250409" cy="0"/>
+            </a:xfrm>
+            <a:prstGeom prst="line">
+              <a:avLst/>
+            </a:prstGeom>
+            <a:ln w="38100">
+              <a:solidFill>
+                <a:schemeClr val="tx1"/>
+              </a:solidFill>
+            </a:ln>
+          </p:spPr>
+          <p:style>
+            <a:lnRef idx="1">
+              <a:schemeClr val="accent1"/>
+            </a:lnRef>
+            <a:fillRef idx="0">
+              <a:schemeClr val="accent1"/>
+            </a:fillRef>
+            <a:effectRef idx="0">
+              <a:schemeClr val="accent1"/>
+            </a:effectRef>
+            <a:fontRef idx="minor">
+              <a:schemeClr val="tx1"/>
+            </a:fontRef>
+          </p:style>
+        </p:cxnSp>
+        <p:cxnSp>
+          <p:nvCxnSpPr>
+            <p:cNvPr id="29" name="Straight Connector 28"/>
+            <p:cNvCxnSpPr/>
+            <p:nvPr/>
+          </p:nvCxnSpPr>
+          <p:spPr>
+            <a:xfrm>
+              <a:off x="5000299" y="4246656"/>
+              <a:ext cx="0" cy="228600"/>
+            </a:xfrm>
+            <a:prstGeom prst="line">
+              <a:avLst/>
+            </a:prstGeom>
+            <a:ln w="38100">
+              <a:solidFill>
+                <a:schemeClr val="tx1"/>
+              </a:solidFill>
+            </a:ln>
+          </p:spPr>
+          <p:style>
+            <a:lnRef idx="1">
+              <a:schemeClr val="accent1"/>
+            </a:lnRef>
+            <a:fillRef idx="0">
+              <a:schemeClr val="accent1"/>
+            </a:fillRef>
+            <a:effectRef idx="0">
+              <a:schemeClr val="accent1"/>
+            </a:effectRef>
+            <a:fontRef idx="minor">
+              <a:schemeClr val="tx1"/>
+            </a:fontRef>
+          </p:style>
+        </p:cxnSp>
+        <p:cxnSp>
+          <p:nvCxnSpPr>
+            <p:cNvPr id="30" name="Straight Connector 29"/>
+            <p:cNvCxnSpPr/>
+            <p:nvPr/>
+          </p:nvCxnSpPr>
+          <p:spPr>
+            <a:xfrm>
+              <a:off x="745377" y="4246656"/>
+              <a:ext cx="0" cy="228600"/>
+            </a:xfrm>
+            <a:prstGeom prst="line">
+              <a:avLst/>
+            </a:prstGeom>
+            <a:ln w="38100">
+              <a:solidFill>
+                <a:schemeClr val="tx1"/>
+              </a:solidFill>
+            </a:ln>
+          </p:spPr>
+          <p:style>
+            <a:lnRef idx="1">
+              <a:schemeClr val="accent1"/>
+            </a:lnRef>
+            <a:fillRef idx="0">
+              <a:schemeClr val="accent1"/>
+            </a:fillRef>
+            <a:effectRef idx="0">
+              <a:schemeClr val="accent1"/>
+            </a:effectRef>
+            <a:fontRef idx="minor">
+              <a:schemeClr val="tx1"/>
+            </a:fontRef>
+          </p:style>
+        </p:cxnSp>
+      </p:grpSp>
+      <p:sp>
+        <p:nvSpPr>
+          <p:cNvPr id="31" name="TextBox 30"/>
+          <p:cNvSpPr txBox="1"/>
+          <p:nvPr/>
+        </p:nvSpPr>
+        <p:spPr>
+          <a:xfrm>
+            <a:off x="4548022" y="4196229"/>
+            <a:ext cx="1090262" cy="276999"/>
+          </a:xfrm>
+          <a:prstGeom prst="rect">
+            <a:avLst/>
+          </a:prstGeom>
+          <a:noFill/>
+          <a:ln>
+            <a:solidFill>
+              <a:schemeClr val="tx1"/>
+            </a:solidFill>
+          </a:ln>
+        </p:spPr>
+        <p:txBody>
+          <a:bodyPr wrap="square" rtlCol="0">
+            <a:spAutoFit/>
+          </a:bodyPr>
+          <a:lstStyle/>
+          <a:p>
+            <a:pPr algn="ctr"/>
+            <a:r>
+              <a:rPr lang="en-US" sz="1200" dirty="0" smtClean="0"/>
+              <a:t>given distance</a:t>
+            </a:r>
+            <a:endParaRPr lang="en-US" sz="1200" dirty="0"/>
+          </a:p>
+        </p:txBody>
+      </p:sp>
+      <p:cxnSp>
+        <p:nvCxnSpPr>
+          <p:cNvPr id="36" name="Straight Arrow Connector 35"/>
+          <p:cNvCxnSpPr>
+            <a:stCxn id="37" idx="2"/>
+          </p:cNvCxnSpPr>
+          <p:nvPr/>
+        </p:nvCxnSpPr>
+        <p:spPr>
+          <a:xfrm>
+            <a:off x="7189011" y="2725089"/>
+            <a:ext cx="93607" cy="660833"/>
+          </a:xfrm>
+          <a:prstGeom prst="straightConnector1">
+            <a:avLst/>
+          </a:prstGeom>
+          <a:ln w="15875">
+            <a:solidFill>
+              <a:schemeClr val="tx1"/>
+            </a:solidFill>
+            <a:tailEnd type="triangle"/>
+          </a:ln>
+        </p:spPr>
+        <p:style>
+          <a:lnRef idx="1">
+            <a:schemeClr val="accent1"/>
+          </a:lnRef>
+          <a:fillRef idx="0">
+            <a:schemeClr val="accent1"/>
+          </a:fillRef>
+          <a:effectRef idx="0">
+            <a:schemeClr val="accent1"/>
+          </a:effectRef>
+          <a:fontRef idx="minor">
+            <a:schemeClr val="tx1"/>
+          </a:fontRef>
+        </p:style>
+      </p:cxnSp>
+      <p:sp>
+        <p:nvSpPr>
+          <p:cNvPr id="37" name="TextBox 36"/>
+          <p:cNvSpPr txBox="1"/>
+          <p:nvPr/>
+        </p:nvSpPr>
+        <p:spPr>
+          <a:xfrm>
+            <a:off x="6766892" y="2448090"/>
+            <a:ext cx="844238" cy="276999"/>
+          </a:xfrm>
+          <a:prstGeom prst="rect">
+            <a:avLst/>
+          </a:prstGeom>
+          <a:noFill/>
+          <a:ln>
+            <a:solidFill>
+              <a:schemeClr val="tx1"/>
+            </a:solidFill>
+          </a:ln>
+        </p:spPr>
+        <p:txBody>
+          <a:bodyPr wrap="square" rtlCol="0">
+            <a:spAutoFit/>
+          </a:bodyPr>
+          <a:lstStyle/>
+          <a:p>
+            <a:pPr algn="ctr"/>
+            <a:r>
+              <a:rPr lang="en-US" sz="1200" dirty="0"/>
+              <a:t>s</a:t>
+            </a:r>
+            <a:r>
+              <a:rPr lang="en-US" sz="1200" dirty="0" smtClean="0"/>
+              <a:t>top here</a:t>
+            </a:r>
+            <a:endParaRPr lang="en-US" sz="1200" dirty="0"/>
+          </a:p>
+        </p:txBody>
+      </p:sp>
+    </p:spTree>
+    <p:extLst>
+      <p:ext uri="{BB962C8B-B14F-4D97-AF65-F5344CB8AC3E}">
+        <p14:creationId xmlns:p14="http://schemas.microsoft.com/office/powerpoint/2010/main" val="3731572131"/>
       </p:ext>
     </p:extLst>
   </p:cSld>
